--- a/figures/figure_02.pptx
+++ b/figures/figure_02.pptx
@@ -126,7 +126,7 @@
 <file path=ppt/revisionInfo.xml><?xml version="1.0" encoding="utf-8"?>
 <p1510:revInfo xmlns:a="http://schemas.openxmlformats.org/drawingml/2006/main" xmlns:r="http://schemas.openxmlformats.org/officeDocument/2006/relationships" xmlns:p1510="http://schemas.microsoft.com/office/powerpoint/2015/10/main">
   <p1510:revLst>
-    <p1510:client id="{CDCFC521-D53D-4558-BAAF-E7EED966403F}" v="17" dt="2025-10-30T19:39:33.270"/>
+    <p1510:client id="{AB7324DC-CEA7-4B60-AC2E-B57D73AAFA42}" v="4" dt="2025-11-20T17:02:01.125"/>
   </p1510:revLst>
 </p1510:revInfo>
 </file>
@@ -226,14 +226,6 @@
             <ac:spMk id="74" creationId="{AA9C3F95-E922-5EF3-4C62-8B4F42794C14}"/>
           </ac:spMkLst>
         </pc:spChg>
-        <pc:grpChg chg="mod">
-          <ac:chgData name="Gilbert, Neil" userId="37be9f5c-8f28-415b-96d6-624acf93bb3f" providerId="ADAL" clId="{18ED56B6-1921-416C-9A28-3F6F3C8390B5}" dt="2025-10-23T21:59:06.585" v="391" actId="1076"/>
-          <ac:grpSpMkLst>
-            <pc:docMk/>
-            <pc:sldMk cId="3639298815" sldId="256"/>
-            <ac:grpSpMk id="54" creationId="{52916057-A0C9-BD14-4C63-8B6FCE9ECCDD}"/>
-          </ac:grpSpMkLst>
-        </pc:grpChg>
         <pc:picChg chg="add mod modCrop">
           <ac:chgData name="Gilbert, Neil" userId="37be9f5c-8f28-415b-96d6-624acf93bb3f" providerId="ADAL" clId="{18ED56B6-1921-416C-9A28-3F6F3C8390B5}" dt="2025-10-30T14:30:20.987" v="415" actId="1076"/>
           <ac:picMkLst>
@@ -258,20 +250,156 @@
             <ac:picMk id="7" creationId="{3BF26906-4C04-4855-6D59-82AC861F85BB}"/>
           </ac:picMkLst>
         </pc:picChg>
-        <pc:picChg chg="del">
-          <ac:chgData name="Gilbert, Neil" userId="37be9f5c-8f28-415b-96d6-624acf93bb3f" providerId="ADAL" clId="{18ED56B6-1921-416C-9A28-3F6F3C8390B5}" dt="2025-10-30T14:32:07.653" v="440" actId="478"/>
+      </pc:sldChg>
+    </pc:docChg>
+  </pc:docChgLst>
+  <pc:docChgLst>
+    <pc:chgData name="Gilbert, Neil" userId="37be9f5c-8f28-415b-96d6-624acf93bb3f" providerId="ADAL" clId="{4BC2F057-EDD5-4E2F-8E30-3ED12F6BA9D8}"/>
+    <pc:docChg chg="modSld">
+      <pc:chgData name="Gilbert, Neil" userId="37be9f5c-8f28-415b-96d6-624acf93bb3f" providerId="ADAL" clId="{4BC2F057-EDD5-4E2F-8E30-3ED12F6BA9D8}" dt="2025-11-20T17:02:01.125" v="3" actId="165"/>
+      <pc:docMkLst>
+        <pc:docMk/>
+      </pc:docMkLst>
+      <pc:sldChg chg="delSp modSp">
+        <pc:chgData name="Gilbert, Neil" userId="37be9f5c-8f28-415b-96d6-624acf93bb3f" providerId="ADAL" clId="{4BC2F057-EDD5-4E2F-8E30-3ED12F6BA9D8}" dt="2025-11-20T17:02:01.125" v="3" actId="165"/>
+        <pc:sldMkLst>
+          <pc:docMk/>
+          <pc:sldMk cId="3639298815" sldId="256"/>
+        </pc:sldMkLst>
+        <pc:spChg chg="mod topLvl">
+          <ac:chgData name="Gilbert, Neil" userId="37be9f5c-8f28-415b-96d6-624acf93bb3f" providerId="ADAL" clId="{4BC2F057-EDD5-4E2F-8E30-3ED12F6BA9D8}" dt="2025-11-20T17:01:47.924" v="0" actId="165"/>
+          <ac:spMkLst>
+            <pc:docMk/>
+            <pc:sldMk cId="3639298815" sldId="256"/>
+            <ac:spMk id="59" creationId="{D774D944-0A6A-50BD-4EB5-B9049CFAC287}"/>
+          </ac:spMkLst>
+        </pc:spChg>
+        <pc:spChg chg="mod topLvl">
+          <ac:chgData name="Gilbert, Neil" userId="37be9f5c-8f28-415b-96d6-624acf93bb3f" providerId="ADAL" clId="{4BC2F057-EDD5-4E2F-8E30-3ED12F6BA9D8}" dt="2025-11-20T17:01:52.751" v="1" actId="165"/>
+          <ac:spMkLst>
+            <pc:docMk/>
+            <pc:sldMk cId="3639298815" sldId="256"/>
+            <ac:spMk id="61" creationId="{45F33AD7-EB60-0D2A-3EE7-9FD4D2CFE2E5}"/>
+          </ac:spMkLst>
+        </pc:spChg>
+        <pc:spChg chg="mod topLvl">
+          <ac:chgData name="Gilbert, Neil" userId="37be9f5c-8f28-415b-96d6-624acf93bb3f" providerId="ADAL" clId="{4BC2F057-EDD5-4E2F-8E30-3ED12F6BA9D8}" dt="2025-11-20T17:01:52.751" v="1" actId="165"/>
+          <ac:spMkLst>
+            <pc:docMk/>
+            <pc:sldMk cId="3639298815" sldId="256"/>
+            <ac:spMk id="63" creationId="{20F15701-691B-DFA1-03BC-DB9B232BA4C1}"/>
+          </ac:spMkLst>
+        </pc:spChg>
+        <pc:spChg chg="mod topLvl">
+          <ac:chgData name="Gilbert, Neil" userId="37be9f5c-8f28-415b-96d6-624acf93bb3f" providerId="ADAL" clId="{4BC2F057-EDD5-4E2F-8E30-3ED12F6BA9D8}" dt="2025-11-20T17:01:52.751" v="1" actId="165"/>
+          <ac:spMkLst>
+            <pc:docMk/>
+            <pc:sldMk cId="3639298815" sldId="256"/>
+            <ac:spMk id="64" creationId="{38372962-99B6-F878-5F8F-F8F8D9AC1061}"/>
+          </ac:spMkLst>
+        </pc:spChg>
+        <pc:spChg chg="mod topLvl">
+          <ac:chgData name="Gilbert, Neil" userId="37be9f5c-8f28-415b-96d6-624acf93bb3f" providerId="ADAL" clId="{4BC2F057-EDD5-4E2F-8E30-3ED12F6BA9D8}" dt="2025-11-20T17:01:52.751" v="1" actId="165"/>
+          <ac:spMkLst>
+            <pc:docMk/>
+            <pc:sldMk cId="3639298815" sldId="256"/>
+            <ac:spMk id="65" creationId="{661F7F69-BAC1-B527-0406-606B23875A59}"/>
+          </ac:spMkLst>
+        </pc:spChg>
+        <pc:spChg chg="mod topLvl">
+          <ac:chgData name="Gilbert, Neil" userId="37be9f5c-8f28-415b-96d6-624acf93bb3f" providerId="ADAL" clId="{4BC2F057-EDD5-4E2F-8E30-3ED12F6BA9D8}" dt="2025-11-20T17:01:52.751" v="1" actId="165"/>
+          <ac:spMkLst>
+            <pc:docMk/>
+            <pc:sldMk cId="3639298815" sldId="256"/>
+            <ac:spMk id="66" creationId="{C4D9FEEB-B563-A20E-A9CB-8429FB13B45B}"/>
+          </ac:spMkLst>
+        </pc:spChg>
+        <pc:spChg chg="mod topLvl">
+          <ac:chgData name="Gilbert, Neil" userId="37be9f5c-8f28-415b-96d6-624acf93bb3f" providerId="ADAL" clId="{4BC2F057-EDD5-4E2F-8E30-3ED12F6BA9D8}" dt="2025-11-20T17:01:52.751" v="1" actId="165"/>
+          <ac:spMkLst>
+            <pc:docMk/>
+            <pc:sldMk cId="3639298815" sldId="256"/>
+            <ac:spMk id="67" creationId="{CDCFEFBC-CAAB-8304-A3E4-9CDB7CEEEC4D}"/>
+          </ac:spMkLst>
+        </pc:spChg>
+        <pc:spChg chg="mod topLvl">
+          <ac:chgData name="Gilbert, Neil" userId="37be9f5c-8f28-415b-96d6-624acf93bb3f" providerId="ADAL" clId="{4BC2F057-EDD5-4E2F-8E30-3ED12F6BA9D8}" dt="2025-11-20T17:01:52.751" v="1" actId="165"/>
+          <ac:spMkLst>
+            <pc:docMk/>
+            <pc:sldMk cId="3639298815" sldId="256"/>
+            <ac:spMk id="68" creationId="{D6F2FBDF-DB1B-D2A9-4BAE-70BBEFB29700}"/>
+          </ac:spMkLst>
+        </pc:spChg>
+        <pc:spChg chg="mod topLvl">
+          <ac:chgData name="Gilbert, Neil" userId="37be9f5c-8f28-415b-96d6-624acf93bb3f" providerId="ADAL" clId="{4BC2F057-EDD5-4E2F-8E30-3ED12F6BA9D8}" dt="2025-11-20T17:01:52.751" v="1" actId="165"/>
+          <ac:spMkLst>
+            <pc:docMk/>
+            <pc:sldMk cId="3639298815" sldId="256"/>
+            <ac:spMk id="69" creationId="{0B38313F-7368-8ABC-B9A1-5373158F3813}"/>
+          </ac:spMkLst>
+        </pc:spChg>
+        <pc:spChg chg="mod topLvl">
+          <ac:chgData name="Gilbert, Neil" userId="37be9f5c-8f28-415b-96d6-624acf93bb3f" providerId="ADAL" clId="{4BC2F057-EDD5-4E2F-8E30-3ED12F6BA9D8}" dt="2025-11-20T17:01:52.751" v="1" actId="165"/>
+          <ac:spMkLst>
+            <pc:docMk/>
+            <pc:sldMk cId="3639298815" sldId="256"/>
+            <ac:spMk id="70" creationId="{39F4DCA6-41E4-ACE3-81ED-138A452E7918}"/>
+          </ac:spMkLst>
+        </pc:spChg>
+        <pc:spChg chg="mod topLvl">
+          <ac:chgData name="Gilbert, Neil" userId="37be9f5c-8f28-415b-96d6-624acf93bb3f" providerId="ADAL" clId="{4BC2F057-EDD5-4E2F-8E30-3ED12F6BA9D8}" dt="2025-11-20T17:01:52.751" v="1" actId="165"/>
+          <ac:spMkLst>
+            <pc:docMk/>
+            <pc:sldMk cId="3639298815" sldId="256"/>
+            <ac:spMk id="71" creationId="{0A68A84F-9CA2-85FD-FD79-0EE92337AC3D}"/>
+          </ac:spMkLst>
+        </pc:spChg>
+        <pc:spChg chg="mod">
+          <ac:chgData name="Gilbert, Neil" userId="37be9f5c-8f28-415b-96d6-624acf93bb3f" providerId="ADAL" clId="{4BC2F057-EDD5-4E2F-8E30-3ED12F6BA9D8}" dt="2025-11-20T17:01:47.924" v="0" actId="165"/>
+          <ac:spMkLst>
+            <pc:docMk/>
+            <pc:sldMk cId="3639298815" sldId="256"/>
+            <ac:spMk id="72" creationId="{A2C333B0-67C5-564B-2A6A-15E4F4458176}"/>
+          </ac:spMkLst>
+        </pc:spChg>
+        <pc:grpChg chg="del">
+          <ac:chgData name="Gilbert, Neil" userId="37be9f5c-8f28-415b-96d6-624acf93bb3f" providerId="ADAL" clId="{4BC2F057-EDD5-4E2F-8E30-3ED12F6BA9D8}" dt="2025-11-20T17:01:57.189" v="2" actId="165"/>
+          <ac:grpSpMkLst>
+            <pc:docMk/>
+            <pc:sldMk cId="3639298815" sldId="256"/>
+            <ac:grpSpMk id="60" creationId="{9B89EE47-12EF-3A06-AD5F-FC017247C62C}"/>
+          </ac:grpSpMkLst>
+        </pc:grpChg>
+        <pc:grpChg chg="del mod topLvl">
+          <ac:chgData name="Gilbert, Neil" userId="37be9f5c-8f28-415b-96d6-624acf93bb3f" providerId="ADAL" clId="{4BC2F057-EDD5-4E2F-8E30-3ED12F6BA9D8}" dt="2025-11-20T17:02:01.125" v="3" actId="165"/>
+          <ac:grpSpMkLst>
+            <pc:docMk/>
+            <pc:sldMk cId="3639298815" sldId="256"/>
+            <ac:grpSpMk id="75" creationId="{4932C5E2-111A-DFAF-CC65-B9EFF0F2CA6F}"/>
+          </ac:grpSpMkLst>
+        </pc:grpChg>
+        <pc:picChg chg="mod topLvl">
+          <ac:chgData name="Gilbert, Neil" userId="37be9f5c-8f28-415b-96d6-624acf93bb3f" providerId="ADAL" clId="{4BC2F057-EDD5-4E2F-8E30-3ED12F6BA9D8}" dt="2025-11-20T17:01:57.189" v="2" actId="165"/>
           <ac:picMkLst>
             <pc:docMk/>
             <pc:sldMk cId="3639298815" sldId="256"/>
-            <ac:picMk id="56" creationId="{E08FB1D9-1514-FCFA-3270-4A3D094357EC}"/>
+            <ac:picMk id="76" creationId="{7DD75DFE-5910-86F7-2810-6A3289BC6E3E}"/>
           </ac:picMkLst>
         </pc:picChg>
-        <pc:picChg chg="del">
-          <ac:chgData name="Gilbert, Neil" userId="37be9f5c-8f28-415b-96d6-624acf93bb3f" providerId="ADAL" clId="{18ED56B6-1921-416C-9A28-3F6F3C8390B5}" dt="2025-10-30T14:30:07.814" v="414" actId="478"/>
+        <pc:picChg chg="mod topLvl">
+          <ac:chgData name="Gilbert, Neil" userId="37be9f5c-8f28-415b-96d6-624acf93bb3f" providerId="ADAL" clId="{4BC2F057-EDD5-4E2F-8E30-3ED12F6BA9D8}" dt="2025-11-20T17:02:01.125" v="3" actId="165"/>
           <ac:picMkLst>
             <pc:docMk/>
             <pc:sldMk cId="3639298815" sldId="256"/>
-            <ac:picMk id="57" creationId="{E849C94D-8C8D-4FA3-EC05-3FB02CE06DD3}"/>
+            <ac:picMk id="77" creationId="{2F406153-7A93-0D68-B362-099551C355B6}"/>
+          </ac:picMkLst>
+        </pc:picChg>
+        <pc:picChg chg="mod topLvl">
+          <ac:chgData name="Gilbert, Neil" userId="37be9f5c-8f28-415b-96d6-624acf93bb3f" providerId="ADAL" clId="{4BC2F057-EDD5-4E2F-8E30-3ED12F6BA9D8}" dt="2025-11-20T17:02:01.125" v="3" actId="165"/>
+          <ac:picMkLst>
+            <pc:docMk/>
+            <pc:sldMk cId="3639298815" sldId="256"/>
+            <ac:picMk id="78" creationId="{EEC63CD7-BBFA-8047-16E5-96F810DD1A07}"/>
           </ac:picMkLst>
         </pc:picChg>
       </pc:sldChg>
@@ -411,7 +539,7 @@
           <a:p>
             <a:fld id="{12443901-5052-483D-B7EE-CB64FF6DD713}" type="datetimeFigureOut">
               <a:rPr lang="en-US" smtClean="0"/>
-              <a:t>10/30/2025</a:t>
+              <a:t>11/20/2025</a:t>
             </a:fld>
             <a:endParaRPr lang="en-US"/>
           </a:p>
@@ -581,7 +709,7 @@
           <a:p>
             <a:fld id="{12443901-5052-483D-B7EE-CB64FF6DD713}" type="datetimeFigureOut">
               <a:rPr lang="en-US" smtClean="0"/>
-              <a:t>10/30/2025</a:t>
+              <a:t>11/20/2025</a:t>
             </a:fld>
             <a:endParaRPr lang="en-US"/>
           </a:p>
@@ -761,7 +889,7 @@
           <a:p>
             <a:fld id="{12443901-5052-483D-B7EE-CB64FF6DD713}" type="datetimeFigureOut">
               <a:rPr lang="en-US" smtClean="0"/>
-              <a:t>10/30/2025</a:t>
+              <a:t>11/20/2025</a:t>
             </a:fld>
             <a:endParaRPr lang="en-US"/>
           </a:p>
@@ -931,7 +1059,7 @@
           <a:p>
             <a:fld id="{12443901-5052-483D-B7EE-CB64FF6DD713}" type="datetimeFigureOut">
               <a:rPr lang="en-US" smtClean="0"/>
-              <a:t>10/30/2025</a:t>
+              <a:t>11/20/2025</a:t>
             </a:fld>
             <a:endParaRPr lang="en-US"/>
           </a:p>
@@ -1177,7 +1305,7 @@
           <a:p>
             <a:fld id="{12443901-5052-483D-B7EE-CB64FF6DD713}" type="datetimeFigureOut">
               <a:rPr lang="en-US" smtClean="0"/>
-              <a:t>10/30/2025</a:t>
+              <a:t>11/20/2025</a:t>
             </a:fld>
             <a:endParaRPr lang="en-US"/>
           </a:p>
@@ -1409,7 +1537,7 @@
           <a:p>
             <a:fld id="{12443901-5052-483D-B7EE-CB64FF6DD713}" type="datetimeFigureOut">
               <a:rPr lang="en-US" smtClean="0"/>
-              <a:t>10/30/2025</a:t>
+              <a:t>11/20/2025</a:t>
             </a:fld>
             <a:endParaRPr lang="en-US"/>
           </a:p>
@@ -1776,7 +1904,7 @@
           <a:p>
             <a:fld id="{12443901-5052-483D-B7EE-CB64FF6DD713}" type="datetimeFigureOut">
               <a:rPr lang="en-US" smtClean="0"/>
-              <a:t>10/30/2025</a:t>
+              <a:t>11/20/2025</a:t>
             </a:fld>
             <a:endParaRPr lang="en-US"/>
           </a:p>
@@ -1894,7 +2022,7 @@
           <a:p>
             <a:fld id="{12443901-5052-483D-B7EE-CB64FF6DD713}" type="datetimeFigureOut">
               <a:rPr lang="en-US" smtClean="0"/>
-              <a:t>10/30/2025</a:t>
+              <a:t>11/20/2025</a:t>
             </a:fld>
             <a:endParaRPr lang="en-US"/>
           </a:p>
@@ -1989,7 +2117,7 @@
           <a:p>
             <a:fld id="{12443901-5052-483D-B7EE-CB64FF6DD713}" type="datetimeFigureOut">
               <a:rPr lang="en-US" smtClean="0"/>
-              <a:t>10/30/2025</a:t>
+              <a:t>11/20/2025</a:t>
             </a:fld>
             <a:endParaRPr lang="en-US"/>
           </a:p>
@@ -2266,7 +2394,7 @@
           <a:p>
             <a:fld id="{12443901-5052-483D-B7EE-CB64FF6DD713}" type="datetimeFigureOut">
               <a:rPr lang="en-US" smtClean="0"/>
-              <a:t>10/30/2025</a:t>
+              <a:t>11/20/2025</a:t>
             </a:fld>
             <a:endParaRPr lang="en-US"/>
           </a:p>
@@ -2523,7 +2651,7 @@
           <a:p>
             <a:fld id="{12443901-5052-483D-B7EE-CB64FF6DD713}" type="datetimeFigureOut">
               <a:rPr lang="en-US" smtClean="0"/>
-              <a:t>10/30/2025</a:t>
+              <a:t>11/20/2025</a:t>
             </a:fld>
             <a:endParaRPr lang="en-US"/>
           </a:p>
@@ -2736,7 +2864,7 @@
           <a:p>
             <a:fld id="{12443901-5052-483D-B7EE-CB64FF6DD713}" type="datetimeFigureOut">
               <a:rPr lang="en-US" smtClean="0"/>
-              <a:t>10/30/2025</a:t>
+              <a:t>11/20/2025</a:t>
             </a:fld>
             <a:endParaRPr lang="en-US"/>
           </a:p>
@@ -3141,1199 +3269,1115 @@
           <a:chExt cx="0" cy="0"/>
         </a:xfrm>
       </p:grpSpPr>
-      <p:grpSp>
-        <p:nvGrpSpPr>
-          <p:cNvPr id="54" name="Group 53">
+      <p:pic>
+        <p:nvPicPr>
+          <p:cNvPr id="77" name="Picture 76" descr="A map of the united states&#10;&#10;AI-generated content may be incorrect.">
             <a:extLst>
               <a:ext uri="{FF2B5EF4-FFF2-40B4-BE49-F238E27FC236}">
-                <a16:creationId xmlns:a16="http://schemas.microsoft.com/office/drawing/2014/main" id="{52916057-A0C9-BD14-4C63-8B6FCE9ECCDD}"/>
+                <a16:creationId xmlns:a16="http://schemas.microsoft.com/office/drawing/2014/main" id="{2F406153-7A93-0D68-B362-099551C355B6}"/>
               </a:ext>
             </a:extLst>
           </p:cNvPr>
-          <p:cNvGrpSpPr/>
+          <p:cNvPicPr>
+            <a:picLocks noChangeAspect="1"/>
+          </p:cNvPicPr>
           <p:nvPr/>
-        </p:nvGrpSpPr>
-        <p:grpSpPr>
+        </p:nvPicPr>
+        <p:blipFill>
+          <a:blip r:embed="rId2">
+            <a:extLst>
+              <a:ext uri="{28A0092B-C50C-407E-A947-70E740481C1C}">
+                <a14:useLocalDpi xmlns:a14="http://schemas.microsoft.com/office/drawing/2010/main" val="0"/>
+              </a:ext>
+            </a:extLst>
+          </a:blip>
+          <a:stretch>
+            <a:fillRect/>
+          </a:stretch>
+        </p:blipFill>
+        <p:spPr>
           <a:xfrm>
-            <a:off x="0" y="45720"/>
-            <a:ext cx="4297683" cy="1542706"/>
-            <a:chOff x="0" y="50006"/>
-            <a:chExt cx="4297683" cy="1542706"/>
+            <a:off x="0" y="334804"/>
+            <a:ext cx="1371603" cy="914402"/>
           </a:xfrm>
-        </p:grpSpPr>
-        <p:grpSp>
-          <p:nvGrpSpPr>
-            <p:cNvPr id="55" name="Group 54">
-              <a:extLst>
-                <a:ext uri="{FF2B5EF4-FFF2-40B4-BE49-F238E27FC236}">
-                  <a16:creationId xmlns:a16="http://schemas.microsoft.com/office/drawing/2014/main" id="{AFF54CE1-1B16-84A8-3FD6-66D64DEB7EA5}"/>
-                </a:ext>
-              </a:extLst>
-            </p:cNvPr>
-            <p:cNvGrpSpPr/>
-            <p:nvPr/>
-          </p:nvGrpSpPr>
-          <p:grpSpPr>
-            <a:xfrm>
-              <a:off x="0" y="50006"/>
-              <a:ext cx="4297683" cy="1203486"/>
-              <a:chOff x="0" y="50006"/>
-              <a:chExt cx="4297683" cy="1203486"/>
-            </a:xfrm>
-          </p:grpSpPr>
-          <p:grpSp>
-            <p:nvGrpSpPr>
-              <p:cNvPr id="60" name="Group 59">
-                <a:extLst>
-                  <a:ext uri="{FF2B5EF4-FFF2-40B4-BE49-F238E27FC236}">
-                    <a16:creationId xmlns:a16="http://schemas.microsoft.com/office/drawing/2014/main" id="{9B89EE47-12EF-3A06-AD5F-FC017247C62C}"/>
-                  </a:ext>
-                </a:extLst>
-              </p:cNvPr>
-              <p:cNvGrpSpPr/>
-              <p:nvPr/>
-            </p:nvGrpSpPr>
-            <p:grpSpPr>
-              <a:xfrm>
-                <a:off x="0" y="339090"/>
-                <a:ext cx="4297683" cy="914402"/>
-                <a:chOff x="91440" y="91440"/>
-                <a:chExt cx="4297683" cy="914402"/>
-              </a:xfrm>
-            </p:grpSpPr>
-            <p:grpSp>
-              <p:nvGrpSpPr>
-                <p:cNvPr id="75" name="Group 74">
-                  <a:extLst>
-                    <a:ext uri="{FF2B5EF4-FFF2-40B4-BE49-F238E27FC236}">
-                      <a16:creationId xmlns:a16="http://schemas.microsoft.com/office/drawing/2014/main" id="{4932C5E2-111A-DFAF-CC65-B9EFF0F2CA6F}"/>
-                    </a:ext>
-                  </a:extLst>
-                </p:cNvPr>
-                <p:cNvGrpSpPr/>
-                <p:nvPr/>
-              </p:nvGrpSpPr>
-              <p:grpSpPr>
-                <a:xfrm>
-                  <a:off x="91440" y="91440"/>
-                  <a:ext cx="2834643" cy="914402"/>
-                  <a:chOff x="91440" y="91440"/>
-                  <a:chExt cx="2834643" cy="914402"/>
-                </a:xfrm>
-              </p:grpSpPr>
-              <p:pic>
-                <p:nvPicPr>
-                  <p:cNvPr id="77" name="Picture 76" descr="A map of the united states&#10;&#10;AI-generated content may be incorrect.">
-                    <a:extLst>
-                      <a:ext uri="{FF2B5EF4-FFF2-40B4-BE49-F238E27FC236}">
-                        <a16:creationId xmlns:a16="http://schemas.microsoft.com/office/drawing/2014/main" id="{2F406153-7A93-0D68-B362-099551C355B6}"/>
-                      </a:ext>
-                    </a:extLst>
-                  </p:cNvPr>
-                  <p:cNvPicPr>
-                    <a:picLocks noChangeAspect="1"/>
-                  </p:cNvPicPr>
-                  <p:nvPr/>
-                </p:nvPicPr>
-                <p:blipFill>
-                  <a:blip r:embed="rId2">
-                    <a:extLst>
-                      <a:ext uri="{28A0092B-C50C-407E-A947-70E740481C1C}">
-                        <a14:useLocalDpi xmlns:a14="http://schemas.microsoft.com/office/drawing/2010/main" val="0"/>
-                      </a:ext>
-                    </a:extLst>
-                  </a:blip>
-                  <a:stretch>
-                    <a:fillRect/>
-                  </a:stretch>
-                </p:blipFill>
-                <p:spPr>
-                  <a:xfrm>
-                    <a:off x="91440" y="91440"/>
-                    <a:ext cx="1371603" cy="914402"/>
-                  </a:xfrm>
-                  <a:prstGeom prst="rect">
-                    <a:avLst/>
-                  </a:prstGeom>
-                  <a:ln>
-                    <a:noFill/>
-                  </a:ln>
-                </p:spPr>
-              </p:pic>
-              <p:pic>
-                <p:nvPicPr>
-                  <p:cNvPr id="78" name="Picture 77" descr="A map of the world&#10;&#10;AI-generated content may be incorrect.">
-                    <a:extLst>
-                      <a:ext uri="{FF2B5EF4-FFF2-40B4-BE49-F238E27FC236}">
-                        <a16:creationId xmlns:a16="http://schemas.microsoft.com/office/drawing/2014/main" id="{EEC63CD7-BBFA-8047-16E5-96F810DD1A07}"/>
-                      </a:ext>
-                    </a:extLst>
-                  </p:cNvPr>
-                  <p:cNvPicPr>
-                    <a:picLocks noChangeAspect="1"/>
-                  </p:cNvPicPr>
-                  <p:nvPr/>
-                </p:nvPicPr>
-                <p:blipFill>
-                  <a:blip r:embed="rId3">
-                    <a:extLst>
-                      <a:ext uri="{28A0092B-C50C-407E-A947-70E740481C1C}">
-                        <a14:useLocalDpi xmlns:a14="http://schemas.microsoft.com/office/drawing/2010/main" val="0"/>
-                      </a:ext>
-                    </a:extLst>
-                  </a:blip>
-                  <a:stretch>
-                    <a:fillRect/>
-                  </a:stretch>
-                </p:blipFill>
-                <p:spPr>
-                  <a:xfrm>
-                    <a:off x="1554480" y="91440"/>
-                    <a:ext cx="1371603" cy="914402"/>
-                  </a:xfrm>
-                  <a:prstGeom prst="rect">
-                    <a:avLst/>
-                  </a:prstGeom>
-                  <a:ln>
-                    <a:noFill/>
-                  </a:ln>
-                </p:spPr>
-              </p:pic>
-            </p:grpSp>
-            <p:pic>
-              <p:nvPicPr>
-                <p:cNvPr id="76" name="Picture 75" descr="A map of the world&#10;&#10;AI-generated content may be incorrect.">
-                  <a:extLst>
-                    <a:ext uri="{FF2B5EF4-FFF2-40B4-BE49-F238E27FC236}">
-                      <a16:creationId xmlns:a16="http://schemas.microsoft.com/office/drawing/2014/main" id="{7DD75DFE-5910-86F7-2810-6A3289BC6E3E}"/>
-                    </a:ext>
-                  </a:extLst>
-                </p:cNvPr>
-                <p:cNvPicPr>
-                  <a:picLocks noChangeAspect="1"/>
-                </p:cNvPicPr>
-                <p:nvPr/>
-              </p:nvPicPr>
-              <p:blipFill>
-                <a:blip r:embed="rId4">
-                  <a:extLst>
-                    <a:ext uri="{28A0092B-C50C-407E-A947-70E740481C1C}">
-                      <a14:useLocalDpi xmlns:a14="http://schemas.microsoft.com/office/drawing/2010/main" val="0"/>
-                    </a:ext>
-                  </a:extLst>
-                </a:blip>
-                <a:stretch>
-                  <a:fillRect/>
-                </a:stretch>
-              </p:blipFill>
-              <p:spPr>
-                <a:xfrm>
-                  <a:off x="3017520" y="91440"/>
-                  <a:ext cx="1371603" cy="914402"/>
-                </a:xfrm>
-                <a:prstGeom prst="rect">
-                  <a:avLst/>
-                </a:prstGeom>
-                <a:ln>
-                  <a:noFill/>
-                </a:ln>
-              </p:spPr>
-            </p:pic>
-          </p:grpSp>
-          <p:sp>
-            <p:nvSpPr>
-              <p:cNvPr id="61" name="Rectangle 60">
-                <a:extLst>
-                  <a:ext uri="{FF2B5EF4-FFF2-40B4-BE49-F238E27FC236}">
-                    <a16:creationId xmlns:a16="http://schemas.microsoft.com/office/drawing/2014/main" id="{45F33AD7-EB60-0D2A-3EE7-9FD4D2CFE2E5}"/>
-                  </a:ext>
-                </a:extLst>
-              </p:cNvPr>
-              <p:cNvSpPr/>
-              <p:nvPr/>
-            </p:nvSpPr>
-            <p:spPr>
-              <a:xfrm>
-                <a:off x="1371603" y="796291"/>
-                <a:ext cx="280985" cy="194309"/>
-              </a:xfrm>
-              <a:prstGeom prst="rect">
-                <a:avLst/>
-              </a:prstGeom>
-              <a:noFill/>
-              <a:ln>
-                <a:noFill/>
-              </a:ln>
-            </p:spPr>
-            <p:style>
-              <a:lnRef idx="2">
-                <a:schemeClr val="accent1">
-                  <a:shade val="15000"/>
-                </a:schemeClr>
-              </a:lnRef>
-              <a:fillRef idx="1">
-                <a:schemeClr val="accent1"/>
-              </a:fillRef>
-              <a:effectRef idx="0">
-                <a:schemeClr val="accent1"/>
-              </a:effectRef>
-              <a:fontRef idx="minor">
-                <a:schemeClr val="lt1"/>
-              </a:fontRef>
-            </p:style>
-            <p:txBody>
-              <a:bodyPr rtlCol="0" anchor="ctr"/>
-              <a:lstStyle/>
-              <a:p>
-                <a:pPr algn="ctr"/>
-                <a:r>
-                  <a:rPr lang="en-US" dirty="0">
-                    <a:solidFill>
-                      <a:schemeClr val="tx1"/>
-                    </a:solidFill>
-                  </a:rPr>
-                  <a:t>~</a:t>
-                </a:r>
-              </a:p>
-            </p:txBody>
-          </p:sp>
-          <p:sp>
-            <p:nvSpPr>
-              <p:cNvPr id="62" name="Rectangle 61">
-                <a:extLst>
-                  <a:ext uri="{FF2B5EF4-FFF2-40B4-BE49-F238E27FC236}">
-                    <a16:creationId xmlns:a16="http://schemas.microsoft.com/office/drawing/2014/main" id="{C60B3ECF-FF2A-179C-73D5-98486620864D}"/>
-                  </a:ext>
-                </a:extLst>
-              </p:cNvPr>
-              <p:cNvSpPr/>
-              <p:nvPr/>
-            </p:nvSpPr>
-            <p:spPr>
-              <a:xfrm>
-                <a:off x="2883698" y="796290"/>
-                <a:ext cx="280985" cy="194309"/>
-              </a:xfrm>
-              <a:prstGeom prst="rect">
-                <a:avLst/>
-              </a:prstGeom>
-              <a:noFill/>
-              <a:ln>
-                <a:noFill/>
-              </a:ln>
-            </p:spPr>
-            <p:style>
-              <a:lnRef idx="2">
-                <a:schemeClr val="accent1">
-                  <a:shade val="15000"/>
-                </a:schemeClr>
-              </a:lnRef>
-              <a:fillRef idx="1">
-                <a:schemeClr val="accent1"/>
-              </a:fillRef>
-              <a:effectRef idx="0">
-                <a:schemeClr val="accent1"/>
-              </a:effectRef>
-              <a:fontRef idx="minor">
-                <a:schemeClr val="lt1"/>
-              </a:fontRef>
-            </p:style>
-            <p:txBody>
-              <a:bodyPr rtlCol="0" anchor="ctr"/>
-              <a:lstStyle/>
-              <a:p>
-                <a:pPr algn="ctr"/>
-                <a:r>
-                  <a:rPr lang="en-US" dirty="0">
-                    <a:solidFill>
-                      <a:schemeClr val="tx1"/>
-                    </a:solidFill>
-                  </a:rPr>
-                  <a:t>+</a:t>
-                </a:r>
-              </a:p>
-            </p:txBody>
-          </p:sp>
-          <p:sp>
-            <p:nvSpPr>
-              <p:cNvPr id="63" name="Rectangle 62">
-                <a:extLst>
-                  <a:ext uri="{FF2B5EF4-FFF2-40B4-BE49-F238E27FC236}">
-                    <a16:creationId xmlns:a16="http://schemas.microsoft.com/office/drawing/2014/main" id="{20F15701-691B-DFA1-03BC-DB9B232BA4C1}"/>
-                  </a:ext>
-                </a:extLst>
-              </p:cNvPr>
-              <p:cNvSpPr/>
-              <p:nvPr/>
-            </p:nvSpPr>
-            <p:spPr>
-              <a:xfrm>
-                <a:off x="228601" y="293370"/>
-                <a:ext cx="914400" cy="45720"/>
-              </a:xfrm>
-              <a:prstGeom prst="rect">
-                <a:avLst/>
-              </a:prstGeom>
-              <a:gradFill flip="none" rotWithShape="1">
-                <a:gsLst>
-                  <a:gs pos="0">
-                    <a:srgbClr val="B4E7C3"/>
-                  </a:gs>
-                  <a:gs pos="100000">
-                    <a:srgbClr val="357FA3"/>
-                  </a:gs>
-                </a:gsLst>
-                <a:lin ang="10800000" scaled="1"/>
-                <a:tileRect/>
-              </a:gradFill>
-              <a:ln w="2540">
+          <a:prstGeom prst="rect">
+            <a:avLst/>
+          </a:prstGeom>
+          <a:ln>
+            <a:noFill/>
+          </a:ln>
+        </p:spPr>
+      </p:pic>
+      <p:pic>
+        <p:nvPicPr>
+          <p:cNvPr id="78" name="Picture 77" descr="A map of the world&#10;&#10;AI-generated content may be incorrect.">
+            <a:extLst>
+              <a:ext uri="{FF2B5EF4-FFF2-40B4-BE49-F238E27FC236}">
+                <a16:creationId xmlns:a16="http://schemas.microsoft.com/office/drawing/2014/main" id="{EEC63CD7-BBFA-8047-16E5-96F810DD1A07}"/>
+              </a:ext>
+            </a:extLst>
+          </p:cNvPr>
+          <p:cNvPicPr>
+            <a:picLocks noChangeAspect="1"/>
+          </p:cNvPicPr>
+          <p:nvPr/>
+        </p:nvPicPr>
+        <p:blipFill>
+          <a:blip r:embed="rId3">
+            <a:extLst>
+              <a:ext uri="{28A0092B-C50C-407E-A947-70E740481C1C}">
+                <a14:useLocalDpi xmlns:a14="http://schemas.microsoft.com/office/drawing/2010/main" val="0"/>
+              </a:ext>
+            </a:extLst>
+          </a:blip>
+          <a:stretch>
+            <a:fillRect/>
+          </a:stretch>
+        </p:blipFill>
+        <p:spPr>
+          <a:xfrm>
+            <a:off x="1463040" y="334804"/>
+            <a:ext cx="1371603" cy="914402"/>
+          </a:xfrm>
+          <a:prstGeom prst="rect">
+            <a:avLst/>
+          </a:prstGeom>
+          <a:ln>
+            <a:noFill/>
+          </a:ln>
+        </p:spPr>
+      </p:pic>
+      <p:pic>
+        <p:nvPicPr>
+          <p:cNvPr id="76" name="Picture 75" descr="A map of the world&#10;&#10;AI-generated content may be incorrect.">
+            <a:extLst>
+              <a:ext uri="{FF2B5EF4-FFF2-40B4-BE49-F238E27FC236}">
+                <a16:creationId xmlns:a16="http://schemas.microsoft.com/office/drawing/2014/main" id="{7DD75DFE-5910-86F7-2810-6A3289BC6E3E}"/>
+              </a:ext>
+            </a:extLst>
+          </p:cNvPr>
+          <p:cNvPicPr>
+            <a:picLocks noChangeAspect="1"/>
+          </p:cNvPicPr>
+          <p:nvPr/>
+        </p:nvPicPr>
+        <p:blipFill>
+          <a:blip r:embed="rId4">
+            <a:extLst>
+              <a:ext uri="{28A0092B-C50C-407E-A947-70E740481C1C}">
+                <a14:useLocalDpi xmlns:a14="http://schemas.microsoft.com/office/drawing/2010/main" val="0"/>
+              </a:ext>
+            </a:extLst>
+          </a:blip>
+          <a:stretch>
+            <a:fillRect/>
+          </a:stretch>
+        </p:blipFill>
+        <p:spPr>
+          <a:xfrm>
+            <a:off x="2926080" y="334804"/>
+            <a:ext cx="1371603" cy="914402"/>
+          </a:xfrm>
+          <a:prstGeom prst="rect">
+            <a:avLst/>
+          </a:prstGeom>
+          <a:ln>
+            <a:noFill/>
+          </a:ln>
+        </p:spPr>
+      </p:pic>
+      <p:sp>
+        <p:nvSpPr>
+          <p:cNvPr id="61" name="Rectangle 60">
+            <a:extLst>
+              <a:ext uri="{FF2B5EF4-FFF2-40B4-BE49-F238E27FC236}">
+                <a16:creationId xmlns:a16="http://schemas.microsoft.com/office/drawing/2014/main" id="{45F33AD7-EB60-0D2A-3EE7-9FD4D2CFE2E5}"/>
+              </a:ext>
+            </a:extLst>
+          </p:cNvPr>
+          <p:cNvSpPr/>
+          <p:nvPr/>
+        </p:nvSpPr>
+        <p:spPr>
+          <a:xfrm>
+            <a:off x="1371603" y="792005"/>
+            <a:ext cx="280985" cy="194309"/>
+          </a:xfrm>
+          <a:prstGeom prst="rect">
+            <a:avLst/>
+          </a:prstGeom>
+          <a:noFill/>
+          <a:ln>
+            <a:noFill/>
+          </a:ln>
+        </p:spPr>
+        <p:style>
+          <a:lnRef idx="2">
+            <a:schemeClr val="accent1">
+              <a:shade val="15000"/>
+            </a:schemeClr>
+          </a:lnRef>
+          <a:fillRef idx="1">
+            <a:schemeClr val="accent1"/>
+          </a:fillRef>
+          <a:effectRef idx="0">
+            <a:schemeClr val="accent1"/>
+          </a:effectRef>
+          <a:fontRef idx="minor">
+            <a:schemeClr val="lt1"/>
+          </a:fontRef>
+        </p:style>
+        <p:txBody>
+          <a:bodyPr rtlCol="0" anchor="ctr"/>
+          <a:lstStyle/>
+          <a:p>
+            <a:pPr algn="ctr"/>
+            <a:r>
+              <a:rPr lang="en-US" dirty="0">
                 <a:solidFill>
                   <a:schemeClr val="tx1"/>
                 </a:solidFill>
-              </a:ln>
-            </p:spPr>
-            <p:style>
-              <a:lnRef idx="2">
-                <a:schemeClr val="accent1">
-                  <a:shade val="15000"/>
-                </a:schemeClr>
-              </a:lnRef>
-              <a:fillRef idx="1">
-                <a:schemeClr val="accent1"/>
-              </a:fillRef>
-              <a:effectRef idx="0">
-                <a:schemeClr val="accent1"/>
-              </a:effectRef>
-              <a:fontRef idx="minor">
-                <a:schemeClr val="lt1"/>
-              </a:fontRef>
-            </p:style>
-            <p:txBody>
-              <a:bodyPr rtlCol="0" anchor="ctr"/>
-              <a:lstStyle/>
-              <a:p>
-                <a:pPr algn="ctr"/>
-                <a:endParaRPr lang="en-US"/>
-              </a:p>
-            </p:txBody>
-          </p:sp>
-          <p:sp>
-            <p:nvSpPr>
-              <p:cNvPr id="64" name="Rectangle 63">
-                <a:extLst>
-                  <a:ext uri="{FF2B5EF4-FFF2-40B4-BE49-F238E27FC236}">
-                    <a16:creationId xmlns:a16="http://schemas.microsoft.com/office/drawing/2014/main" id="{38372962-99B6-F878-5F8F-F8F8D9AC1061}"/>
-                  </a:ext>
-                </a:extLst>
-              </p:cNvPr>
-              <p:cNvSpPr/>
-              <p:nvPr/>
-            </p:nvSpPr>
-            <p:spPr>
-              <a:xfrm>
-                <a:off x="1691641" y="293370"/>
-                <a:ext cx="914400" cy="45720"/>
-              </a:xfrm>
-              <a:prstGeom prst="rect">
-                <a:avLst/>
-              </a:prstGeom>
-              <a:gradFill flip="none" rotWithShape="1">
-                <a:gsLst>
-                  <a:gs pos="0">
-                    <a:srgbClr val="FFF68A"/>
-                  </a:gs>
-                  <a:gs pos="100000">
-                    <a:srgbClr val="BC3753"/>
-                  </a:gs>
-                </a:gsLst>
-                <a:lin ang="10800000" scaled="1"/>
-                <a:tileRect/>
-              </a:gradFill>
-              <a:ln w="2540">
+              </a:rPr>
+              <a:t>~</a:t>
+            </a:r>
+          </a:p>
+        </p:txBody>
+      </p:sp>
+      <p:sp>
+        <p:nvSpPr>
+          <p:cNvPr id="62" name="Rectangle 61">
+            <a:extLst>
+              <a:ext uri="{FF2B5EF4-FFF2-40B4-BE49-F238E27FC236}">
+                <a16:creationId xmlns:a16="http://schemas.microsoft.com/office/drawing/2014/main" id="{C60B3ECF-FF2A-179C-73D5-98486620864D}"/>
+              </a:ext>
+            </a:extLst>
+          </p:cNvPr>
+          <p:cNvSpPr/>
+          <p:nvPr/>
+        </p:nvSpPr>
+        <p:spPr>
+          <a:xfrm>
+            <a:off x="2883698" y="792004"/>
+            <a:ext cx="280985" cy="194309"/>
+          </a:xfrm>
+          <a:prstGeom prst="rect">
+            <a:avLst/>
+          </a:prstGeom>
+          <a:noFill/>
+          <a:ln>
+            <a:noFill/>
+          </a:ln>
+        </p:spPr>
+        <p:style>
+          <a:lnRef idx="2">
+            <a:schemeClr val="accent1">
+              <a:shade val="15000"/>
+            </a:schemeClr>
+          </a:lnRef>
+          <a:fillRef idx="1">
+            <a:schemeClr val="accent1"/>
+          </a:fillRef>
+          <a:effectRef idx="0">
+            <a:schemeClr val="accent1"/>
+          </a:effectRef>
+          <a:fontRef idx="minor">
+            <a:schemeClr val="lt1"/>
+          </a:fontRef>
+        </p:style>
+        <p:txBody>
+          <a:bodyPr rtlCol="0" anchor="ctr"/>
+          <a:lstStyle/>
+          <a:p>
+            <a:pPr algn="ctr"/>
+            <a:r>
+              <a:rPr lang="en-US" dirty="0">
                 <a:solidFill>
                   <a:schemeClr val="tx1"/>
                 </a:solidFill>
-              </a:ln>
-            </p:spPr>
-            <p:style>
-              <a:lnRef idx="2">
-                <a:schemeClr val="accent1">
-                  <a:shade val="15000"/>
-                </a:schemeClr>
-              </a:lnRef>
-              <a:fillRef idx="1">
-                <a:schemeClr val="accent1"/>
-              </a:fillRef>
-              <a:effectRef idx="0">
-                <a:schemeClr val="accent1"/>
-              </a:effectRef>
-              <a:fontRef idx="minor">
-                <a:schemeClr val="lt1"/>
-              </a:fontRef>
-            </p:style>
-            <p:txBody>
-              <a:bodyPr rtlCol="0" anchor="ctr"/>
-              <a:lstStyle/>
-              <a:p>
-                <a:pPr algn="ctr"/>
-                <a:endParaRPr lang="en-US"/>
-              </a:p>
-            </p:txBody>
-          </p:sp>
-          <p:sp>
-            <p:nvSpPr>
-              <p:cNvPr id="65" name="Rectangle 64">
-                <a:extLst>
-                  <a:ext uri="{FF2B5EF4-FFF2-40B4-BE49-F238E27FC236}">
-                    <a16:creationId xmlns:a16="http://schemas.microsoft.com/office/drawing/2014/main" id="{661F7F69-BAC1-B527-0406-606B23875A59}"/>
-                  </a:ext>
-                </a:extLst>
-              </p:cNvPr>
-              <p:cNvSpPr/>
-              <p:nvPr/>
-            </p:nvSpPr>
-            <p:spPr>
-              <a:xfrm>
-                <a:off x="3154681" y="293370"/>
-                <a:ext cx="914400" cy="45720"/>
-              </a:xfrm>
-              <a:prstGeom prst="rect">
-                <a:avLst/>
-              </a:prstGeom>
-              <a:gradFill flip="none" rotWithShape="1">
-                <a:gsLst>
-                  <a:gs pos="0">
-                    <a:srgbClr val="FFF68A"/>
-                  </a:gs>
-                  <a:gs pos="100000">
-                    <a:srgbClr val="BC3753"/>
-                  </a:gs>
-                </a:gsLst>
-                <a:lin ang="10800000" scaled="1"/>
-                <a:tileRect/>
-              </a:gradFill>
-              <a:ln w="2540">
+              </a:rPr>
+              <a:t>+</a:t>
+            </a:r>
+          </a:p>
+        </p:txBody>
+      </p:sp>
+      <p:sp>
+        <p:nvSpPr>
+          <p:cNvPr id="63" name="Rectangle 62">
+            <a:extLst>
+              <a:ext uri="{FF2B5EF4-FFF2-40B4-BE49-F238E27FC236}">
+                <a16:creationId xmlns:a16="http://schemas.microsoft.com/office/drawing/2014/main" id="{20F15701-691B-DFA1-03BC-DB9B232BA4C1}"/>
+              </a:ext>
+            </a:extLst>
+          </p:cNvPr>
+          <p:cNvSpPr/>
+          <p:nvPr/>
+        </p:nvSpPr>
+        <p:spPr>
+          <a:xfrm>
+            <a:off x="228601" y="289084"/>
+            <a:ext cx="914400" cy="45720"/>
+          </a:xfrm>
+          <a:prstGeom prst="rect">
+            <a:avLst/>
+          </a:prstGeom>
+          <a:gradFill flip="none" rotWithShape="1">
+            <a:gsLst>
+              <a:gs pos="0">
+                <a:srgbClr val="B4E7C3"/>
+              </a:gs>
+              <a:gs pos="100000">
+                <a:srgbClr val="357FA3"/>
+              </a:gs>
+            </a:gsLst>
+            <a:lin ang="10800000" scaled="1"/>
+            <a:tileRect/>
+          </a:gradFill>
+          <a:ln w="2540">
+            <a:solidFill>
+              <a:schemeClr val="tx1"/>
+            </a:solidFill>
+          </a:ln>
+        </p:spPr>
+        <p:style>
+          <a:lnRef idx="2">
+            <a:schemeClr val="accent1">
+              <a:shade val="15000"/>
+            </a:schemeClr>
+          </a:lnRef>
+          <a:fillRef idx="1">
+            <a:schemeClr val="accent1"/>
+          </a:fillRef>
+          <a:effectRef idx="0">
+            <a:schemeClr val="accent1"/>
+          </a:effectRef>
+          <a:fontRef idx="minor">
+            <a:schemeClr val="lt1"/>
+          </a:fontRef>
+        </p:style>
+        <p:txBody>
+          <a:bodyPr rtlCol="0" anchor="ctr"/>
+          <a:lstStyle/>
+          <a:p>
+            <a:pPr algn="ctr"/>
+            <a:endParaRPr lang="en-US"/>
+          </a:p>
+        </p:txBody>
+      </p:sp>
+      <p:sp>
+        <p:nvSpPr>
+          <p:cNvPr id="64" name="Rectangle 63">
+            <a:extLst>
+              <a:ext uri="{FF2B5EF4-FFF2-40B4-BE49-F238E27FC236}">
+                <a16:creationId xmlns:a16="http://schemas.microsoft.com/office/drawing/2014/main" id="{38372962-99B6-F878-5F8F-F8F8D9AC1061}"/>
+              </a:ext>
+            </a:extLst>
+          </p:cNvPr>
+          <p:cNvSpPr/>
+          <p:nvPr/>
+        </p:nvSpPr>
+        <p:spPr>
+          <a:xfrm>
+            <a:off x="1691641" y="289084"/>
+            <a:ext cx="914400" cy="45720"/>
+          </a:xfrm>
+          <a:prstGeom prst="rect">
+            <a:avLst/>
+          </a:prstGeom>
+          <a:gradFill flip="none" rotWithShape="1">
+            <a:gsLst>
+              <a:gs pos="0">
+                <a:srgbClr val="FFF68A"/>
+              </a:gs>
+              <a:gs pos="100000">
+                <a:srgbClr val="BC3753"/>
+              </a:gs>
+            </a:gsLst>
+            <a:lin ang="10800000" scaled="1"/>
+            <a:tileRect/>
+          </a:gradFill>
+          <a:ln w="2540">
+            <a:solidFill>
+              <a:schemeClr val="tx1"/>
+            </a:solidFill>
+          </a:ln>
+        </p:spPr>
+        <p:style>
+          <a:lnRef idx="2">
+            <a:schemeClr val="accent1">
+              <a:shade val="15000"/>
+            </a:schemeClr>
+          </a:lnRef>
+          <a:fillRef idx="1">
+            <a:schemeClr val="accent1"/>
+          </a:fillRef>
+          <a:effectRef idx="0">
+            <a:schemeClr val="accent1"/>
+          </a:effectRef>
+          <a:fontRef idx="minor">
+            <a:schemeClr val="lt1"/>
+          </a:fontRef>
+        </p:style>
+        <p:txBody>
+          <a:bodyPr rtlCol="0" anchor="ctr"/>
+          <a:lstStyle/>
+          <a:p>
+            <a:pPr algn="ctr"/>
+            <a:endParaRPr lang="en-US"/>
+          </a:p>
+        </p:txBody>
+      </p:sp>
+      <p:sp>
+        <p:nvSpPr>
+          <p:cNvPr id="65" name="Rectangle 64">
+            <a:extLst>
+              <a:ext uri="{FF2B5EF4-FFF2-40B4-BE49-F238E27FC236}">
+                <a16:creationId xmlns:a16="http://schemas.microsoft.com/office/drawing/2014/main" id="{661F7F69-BAC1-B527-0406-606B23875A59}"/>
+              </a:ext>
+            </a:extLst>
+          </p:cNvPr>
+          <p:cNvSpPr/>
+          <p:nvPr/>
+        </p:nvSpPr>
+        <p:spPr>
+          <a:xfrm>
+            <a:off x="3154681" y="289084"/>
+            <a:ext cx="914400" cy="45720"/>
+          </a:xfrm>
+          <a:prstGeom prst="rect">
+            <a:avLst/>
+          </a:prstGeom>
+          <a:gradFill flip="none" rotWithShape="1">
+            <a:gsLst>
+              <a:gs pos="0">
+                <a:srgbClr val="FFF68A"/>
+              </a:gs>
+              <a:gs pos="100000">
+                <a:srgbClr val="BC3753"/>
+              </a:gs>
+            </a:gsLst>
+            <a:lin ang="10800000" scaled="1"/>
+            <a:tileRect/>
+          </a:gradFill>
+          <a:ln w="2540">
+            <a:solidFill>
+              <a:schemeClr val="tx1"/>
+            </a:solidFill>
+          </a:ln>
+        </p:spPr>
+        <p:style>
+          <a:lnRef idx="2">
+            <a:schemeClr val="accent1">
+              <a:shade val="15000"/>
+            </a:schemeClr>
+          </a:lnRef>
+          <a:fillRef idx="1">
+            <a:schemeClr val="accent1"/>
+          </a:fillRef>
+          <a:effectRef idx="0">
+            <a:schemeClr val="accent1"/>
+          </a:effectRef>
+          <a:fontRef idx="minor">
+            <a:schemeClr val="lt1"/>
+          </a:fontRef>
+        </p:style>
+        <p:txBody>
+          <a:bodyPr rtlCol="0" anchor="ctr"/>
+          <a:lstStyle/>
+          <a:p>
+            <a:pPr algn="ctr"/>
+            <a:endParaRPr lang="en-US"/>
+          </a:p>
+        </p:txBody>
+      </p:sp>
+      <p:sp>
+        <p:nvSpPr>
+          <p:cNvPr id="66" name="Rectangle 65">
+            <a:extLst>
+              <a:ext uri="{FF2B5EF4-FFF2-40B4-BE49-F238E27FC236}">
+                <a16:creationId xmlns:a16="http://schemas.microsoft.com/office/drawing/2014/main" id="{C4D9FEEB-B563-A20E-A9CB-8429FB13B45B}"/>
+              </a:ext>
+            </a:extLst>
+          </p:cNvPr>
+          <p:cNvSpPr/>
+          <p:nvPr/>
+        </p:nvSpPr>
+        <p:spPr>
+          <a:xfrm>
+            <a:off x="1067754" y="231457"/>
+            <a:ext cx="280985" cy="103347"/>
+          </a:xfrm>
+          <a:prstGeom prst="rect">
+            <a:avLst/>
+          </a:prstGeom>
+          <a:noFill/>
+          <a:ln>
+            <a:noFill/>
+          </a:ln>
+        </p:spPr>
+        <p:style>
+          <a:lnRef idx="2">
+            <a:schemeClr val="accent1">
+              <a:shade val="15000"/>
+            </a:schemeClr>
+          </a:lnRef>
+          <a:fillRef idx="1">
+            <a:schemeClr val="accent1"/>
+          </a:fillRef>
+          <a:effectRef idx="0">
+            <a:schemeClr val="accent1"/>
+          </a:effectRef>
+          <a:fontRef idx="minor">
+            <a:schemeClr val="lt1"/>
+          </a:fontRef>
+        </p:style>
+        <p:txBody>
+          <a:bodyPr rtlCol="0" anchor="ctr"/>
+          <a:lstStyle/>
+          <a:p>
+            <a:pPr algn="ctr"/>
+            <a:r>
+              <a:rPr lang="en-US" sz="800" dirty="0">
                 <a:solidFill>
                   <a:schemeClr val="tx1"/>
                 </a:solidFill>
-              </a:ln>
-            </p:spPr>
-            <p:style>
-              <a:lnRef idx="2">
-                <a:schemeClr val="accent1">
-                  <a:shade val="15000"/>
-                </a:schemeClr>
-              </a:lnRef>
-              <a:fillRef idx="1">
-                <a:schemeClr val="accent1"/>
-              </a:fillRef>
-              <a:effectRef idx="0">
-                <a:schemeClr val="accent1"/>
-              </a:effectRef>
-              <a:fontRef idx="minor">
-                <a:schemeClr val="lt1"/>
-              </a:fontRef>
-            </p:style>
-            <p:txBody>
-              <a:bodyPr rtlCol="0" anchor="ctr"/>
-              <a:lstStyle/>
-              <a:p>
-                <a:pPr algn="ctr"/>
-                <a:endParaRPr lang="en-US"/>
-              </a:p>
-            </p:txBody>
-          </p:sp>
-          <p:sp>
-            <p:nvSpPr>
-              <p:cNvPr id="66" name="Rectangle 65">
-                <a:extLst>
-                  <a:ext uri="{FF2B5EF4-FFF2-40B4-BE49-F238E27FC236}">
-                    <a16:creationId xmlns:a16="http://schemas.microsoft.com/office/drawing/2014/main" id="{C4D9FEEB-B563-A20E-A9CB-8429FB13B45B}"/>
-                  </a:ext>
-                </a:extLst>
-              </p:cNvPr>
-              <p:cNvSpPr/>
-              <p:nvPr/>
-            </p:nvSpPr>
-            <p:spPr>
-              <a:xfrm>
-                <a:off x="1067754" y="235743"/>
-                <a:ext cx="280985" cy="103347"/>
-              </a:xfrm>
-              <a:prstGeom prst="rect">
-                <a:avLst/>
-              </a:prstGeom>
-              <a:noFill/>
-              <a:ln>
-                <a:noFill/>
-              </a:ln>
-            </p:spPr>
-            <p:style>
-              <a:lnRef idx="2">
-                <a:schemeClr val="accent1">
-                  <a:shade val="15000"/>
-                </a:schemeClr>
-              </a:lnRef>
-              <a:fillRef idx="1">
-                <a:schemeClr val="accent1"/>
-              </a:fillRef>
-              <a:effectRef idx="0">
-                <a:schemeClr val="accent1"/>
-              </a:effectRef>
-              <a:fontRef idx="minor">
-                <a:schemeClr val="lt1"/>
-              </a:fontRef>
-            </p:style>
-            <p:txBody>
-              <a:bodyPr rtlCol="0" anchor="ctr"/>
-              <a:lstStyle/>
-              <a:p>
-                <a:pPr algn="ctr"/>
-                <a:r>
-                  <a:rPr lang="en-US" sz="800" dirty="0">
-                    <a:solidFill>
-                      <a:schemeClr val="tx1"/>
-                    </a:solidFill>
-                    <a:latin typeface="Arial" panose="020B0604020202020204" pitchFamily="34" charset="0"/>
-                    <a:cs typeface="Arial" panose="020B0604020202020204" pitchFamily="34" charset="0"/>
-                  </a:rPr>
-                  <a:t>hi</a:t>
-                </a:r>
-              </a:p>
-            </p:txBody>
-          </p:sp>
-          <p:sp>
-            <p:nvSpPr>
-              <p:cNvPr id="67" name="Rectangle 66">
-                <a:extLst>
-                  <a:ext uri="{FF2B5EF4-FFF2-40B4-BE49-F238E27FC236}">
-                    <a16:creationId xmlns:a16="http://schemas.microsoft.com/office/drawing/2014/main" id="{CDCFEFBC-CAAB-8304-A3E4-9CDB7CEEEC4D}"/>
-                  </a:ext>
-                </a:extLst>
-              </p:cNvPr>
-              <p:cNvSpPr/>
-              <p:nvPr/>
-            </p:nvSpPr>
-            <p:spPr>
-              <a:xfrm>
-                <a:off x="22863" y="235742"/>
-                <a:ext cx="280985" cy="103347"/>
-              </a:xfrm>
-              <a:prstGeom prst="rect">
-                <a:avLst/>
-              </a:prstGeom>
-              <a:noFill/>
-              <a:ln>
-                <a:noFill/>
-              </a:ln>
-            </p:spPr>
-            <p:style>
-              <a:lnRef idx="2">
-                <a:schemeClr val="accent1">
-                  <a:shade val="15000"/>
-                </a:schemeClr>
-              </a:lnRef>
-              <a:fillRef idx="1">
-                <a:schemeClr val="accent1"/>
-              </a:fillRef>
-              <a:effectRef idx="0">
-                <a:schemeClr val="accent1"/>
-              </a:effectRef>
-              <a:fontRef idx="minor">
-                <a:schemeClr val="lt1"/>
-              </a:fontRef>
-            </p:style>
-            <p:txBody>
-              <a:bodyPr rtlCol="0" anchor="ctr"/>
-              <a:lstStyle/>
-              <a:p>
-                <a:pPr algn="ctr"/>
-                <a:r>
-                  <a:rPr lang="en-US" sz="800" dirty="0">
-                    <a:solidFill>
-                      <a:schemeClr val="tx1"/>
-                    </a:solidFill>
-                    <a:latin typeface="Arial" panose="020B0604020202020204" pitchFamily="34" charset="0"/>
-                    <a:cs typeface="Arial" panose="020B0604020202020204" pitchFamily="34" charset="0"/>
-                  </a:rPr>
-                  <a:t>lo</a:t>
-                </a:r>
-              </a:p>
-            </p:txBody>
-          </p:sp>
-          <p:sp>
-            <p:nvSpPr>
-              <p:cNvPr id="68" name="Rectangle 67">
-                <a:extLst>
-                  <a:ext uri="{FF2B5EF4-FFF2-40B4-BE49-F238E27FC236}">
-                    <a16:creationId xmlns:a16="http://schemas.microsoft.com/office/drawing/2014/main" id="{D6F2FBDF-DB1B-D2A9-4BAE-70BBEFB29700}"/>
-                  </a:ext>
-                </a:extLst>
-              </p:cNvPr>
-              <p:cNvSpPr/>
-              <p:nvPr/>
-            </p:nvSpPr>
-            <p:spPr>
-              <a:xfrm>
-                <a:off x="153592" y="50006"/>
-                <a:ext cx="1064418" cy="214550"/>
-              </a:xfrm>
-              <a:prstGeom prst="rect">
-                <a:avLst/>
-              </a:prstGeom>
-              <a:noFill/>
-              <a:ln>
-                <a:noFill/>
-              </a:ln>
-            </p:spPr>
-            <p:style>
-              <a:lnRef idx="2">
-                <a:schemeClr val="accent1">
-                  <a:shade val="15000"/>
-                </a:schemeClr>
-              </a:lnRef>
-              <a:fillRef idx="1">
-                <a:schemeClr val="accent1"/>
-              </a:fillRef>
-              <a:effectRef idx="0">
-                <a:schemeClr val="accent1"/>
-              </a:effectRef>
-              <a:fontRef idx="minor">
-                <a:schemeClr val="lt1"/>
-              </a:fontRef>
-            </p:style>
-            <p:txBody>
-              <a:bodyPr rtlCol="0" anchor="ctr"/>
-              <a:lstStyle/>
-              <a:p>
-                <a:pPr algn="ctr"/>
-                <a:r>
-                  <a:rPr lang="en-US" sz="800" dirty="0">
-                    <a:solidFill>
-                      <a:schemeClr val="tx1"/>
-                    </a:solidFill>
-                    <a:latin typeface="Arial" panose="020B0604020202020204" pitchFamily="34" charset="0"/>
-                    <a:cs typeface="Arial" panose="020B0604020202020204" pitchFamily="34" charset="0"/>
-                  </a:rPr>
-                  <a:t>abundance of focal non-excavator</a:t>
-                </a:r>
-              </a:p>
-            </p:txBody>
-          </p:sp>
-          <p:sp>
-            <p:nvSpPr>
-              <p:cNvPr id="69" name="Rectangle 68">
-                <a:extLst>
-                  <a:ext uri="{FF2B5EF4-FFF2-40B4-BE49-F238E27FC236}">
-                    <a16:creationId xmlns:a16="http://schemas.microsoft.com/office/drawing/2014/main" id="{0B38313F-7368-8ABC-B9A1-5373158F3813}"/>
-                  </a:ext>
-                </a:extLst>
-              </p:cNvPr>
-              <p:cNvSpPr/>
-              <p:nvPr/>
-            </p:nvSpPr>
-            <p:spPr>
-              <a:xfrm>
-                <a:off x="2530162" y="235743"/>
-                <a:ext cx="280985" cy="103347"/>
-              </a:xfrm>
-              <a:prstGeom prst="rect">
-                <a:avLst/>
-              </a:prstGeom>
-              <a:noFill/>
-              <a:ln>
-                <a:noFill/>
-              </a:ln>
-            </p:spPr>
-            <p:style>
-              <a:lnRef idx="2">
-                <a:schemeClr val="accent1">
-                  <a:shade val="15000"/>
-                </a:schemeClr>
-              </a:lnRef>
-              <a:fillRef idx="1">
-                <a:schemeClr val="accent1"/>
-              </a:fillRef>
-              <a:effectRef idx="0">
-                <a:schemeClr val="accent1"/>
-              </a:effectRef>
-              <a:fontRef idx="minor">
-                <a:schemeClr val="lt1"/>
-              </a:fontRef>
-            </p:style>
-            <p:txBody>
-              <a:bodyPr rtlCol="0" anchor="ctr"/>
-              <a:lstStyle/>
-              <a:p>
-                <a:pPr algn="ctr"/>
-                <a:r>
-                  <a:rPr lang="en-US" sz="800" dirty="0">
-                    <a:solidFill>
-                      <a:schemeClr val="tx1"/>
-                    </a:solidFill>
-                    <a:latin typeface="Arial" panose="020B0604020202020204" pitchFamily="34" charset="0"/>
-                    <a:cs typeface="Arial" panose="020B0604020202020204" pitchFamily="34" charset="0"/>
-                  </a:rPr>
-                  <a:t>hi</a:t>
-                </a:r>
-              </a:p>
-            </p:txBody>
-          </p:sp>
-          <p:sp>
-            <p:nvSpPr>
-              <p:cNvPr id="70" name="Rectangle 69">
-                <a:extLst>
-                  <a:ext uri="{FF2B5EF4-FFF2-40B4-BE49-F238E27FC236}">
-                    <a16:creationId xmlns:a16="http://schemas.microsoft.com/office/drawing/2014/main" id="{39F4DCA6-41E4-ACE3-81ED-138A452E7918}"/>
-                  </a:ext>
-                </a:extLst>
-              </p:cNvPr>
-              <p:cNvSpPr/>
-              <p:nvPr/>
-            </p:nvSpPr>
-            <p:spPr>
-              <a:xfrm>
-                <a:off x="1485271" y="235742"/>
-                <a:ext cx="280985" cy="103347"/>
-              </a:xfrm>
-              <a:prstGeom prst="rect">
-                <a:avLst/>
-              </a:prstGeom>
-              <a:noFill/>
-              <a:ln>
-                <a:noFill/>
-              </a:ln>
-            </p:spPr>
-            <p:style>
-              <a:lnRef idx="2">
-                <a:schemeClr val="accent1">
-                  <a:shade val="15000"/>
-                </a:schemeClr>
-              </a:lnRef>
-              <a:fillRef idx="1">
-                <a:schemeClr val="accent1"/>
-              </a:fillRef>
-              <a:effectRef idx="0">
-                <a:schemeClr val="accent1"/>
-              </a:effectRef>
-              <a:fontRef idx="minor">
-                <a:schemeClr val="lt1"/>
-              </a:fontRef>
-            </p:style>
-            <p:txBody>
-              <a:bodyPr rtlCol="0" anchor="ctr"/>
-              <a:lstStyle/>
-              <a:p>
-                <a:pPr algn="ctr"/>
-                <a:r>
-                  <a:rPr lang="en-US" sz="800" dirty="0">
-                    <a:solidFill>
-                      <a:schemeClr val="tx1"/>
-                    </a:solidFill>
-                    <a:latin typeface="Arial" panose="020B0604020202020204" pitchFamily="34" charset="0"/>
-                    <a:cs typeface="Arial" panose="020B0604020202020204" pitchFamily="34" charset="0"/>
-                  </a:rPr>
-                  <a:t>lo</a:t>
-                </a:r>
-              </a:p>
-            </p:txBody>
-          </p:sp>
-          <p:sp>
-            <p:nvSpPr>
-              <p:cNvPr id="71" name="Rectangle 70">
-                <a:extLst>
-                  <a:ext uri="{FF2B5EF4-FFF2-40B4-BE49-F238E27FC236}">
-                    <a16:creationId xmlns:a16="http://schemas.microsoft.com/office/drawing/2014/main" id="{0A68A84F-9CA2-85FD-FD79-0EE92337AC3D}"/>
-                  </a:ext>
-                </a:extLst>
-              </p:cNvPr>
-              <p:cNvSpPr/>
-              <p:nvPr/>
-            </p:nvSpPr>
-            <p:spPr>
-              <a:xfrm>
-                <a:off x="1560576" y="50006"/>
-                <a:ext cx="1119842" cy="214550"/>
-              </a:xfrm>
-              <a:prstGeom prst="rect">
-                <a:avLst/>
-              </a:prstGeom>
-              <a:noFill/>
-              <a:ln>
-                <a:noFill/>
-              </a:ln>
-            </p:spPr>
-            <p:style>
-              <a:lnRef idx="2">
-                <a:schemeClr val="accent1">
-                  <a:shade val="15000"/>
-                </a:schemeClr>
-              </a:lnRef>
-              <a:fillRef idx="1">
-                <a:schemeClr val="accent1"/>
-              </a:fillRef>
-              <a:effectRef idx="0">
-                <a:schemeClr val="accent1"/>
-              </a:effectRef>
-              <a:fontRef idx="minor">
-                <a:schemeClr val="lt1"/>
-              </a:fontRef>
-            </p:style>
-            <p:txBody>
-              <a:bodyPr rtlCol="0" anchor="ctr"/>
-              <a:lstStyle/>
-              <a:p>
-                <a:pPr algn="ctr"/>
-                <a:r>
-                  <a:rPr lang="en-US" sz="800" dirty="0">
-                    <a:solidFill>
-                      <a:schemeClr val="tx1"/>
-                    </a:solidFill>
-                    <a:latin typeface="Arial" panose="020B0604020202020204" pitchFamily="34" charset="0"/>
-                    <a:cs typeface="Arial" panose="020B0604020202020204" pitchFamily="34" charset="0"/>
-                  </a:rPr>
-                  <a:t>abundance of other non-excavator</a:t>
-                </a:r>
-              </a:p>
-            </p:txBody>
-          </p:sp>
-          <p:sp>
-            <p:nvSpPr>
-              <p:cNvPr id="72" name="Rectangle 71">
-                <a:extLst>
-                  <a:ext uri="{FF2B5EF4-FFF2-40B4-BE49-F238E27FC236}">
-                    <a16:creationId xmlns:a16="http://schemas.microsoft.com/office/drawing/2014/main" id="{A2C333B0-67C5-564B-2A6A-15E4F4458176}"/>
-                  </a:ext>
-                </a:extLst>
-              </p:cNvPr>
-              <p:cNvSpPr/>
-              <p:nvPr/>
-            </p:nvSpPr>
-            <p:spPr>
-              <a:xfrm>
-                <a:off x="3997088" y="235743"/>
-                <a:ext cx="280985" cy="103347"/>
-              </a:xfrm>
-              <a:prstGeom prst="rect">
-                <a:avLst/>
-              </a:prstGeom>
-              <a:noFill/>
-              <a:ln>
-                <a:noFill/>
-              </a:ln>
-            </p:spPr>
-            <p:style>
-              <a:lnRef idx="2">
-                <a:schemeClr val="accent1">
-                  <a:shade val="15000"/>
-                </a:schemeClr>
-              </a:lnRef>
-              <a:fillRef idx="1">
-                <a:schemeClr val="accent1"/>
-              </a:fillRef>
-              <a:effectRef idx="0">
-                <a:schemeClr val="accent1"/>
-              </a:effectRef>
-              <a:fontRef idx="minor">
-                <a:schemeClr val="lt1"/>
-              </a:fontRef>
-            </p:style>
-            <p:txBody>
-              <a:bodyPr rtlCol="0" anchor="ctr"/>
-              <a:lstStyle/>
-              <a:p>
-                <a:pPr algn="ctr"/>
-                <a:r>
-                  <a:rPr lang="en-US" sz="800" dirty="0">
-                    <a:solidFill>
-                      <a:schemeClr val="tx1"/>
-                    </a:solidFill>
-                    <a:latin typeface="Arial" panose="020B0604020202020204" pitchFamily="34" charset="0"/>
-                    <a:cs typeface="Arial" panose="020B0604020202020204" pitchFamily="34" charset="0"/>
-                  </a:rPr>
-                  <a:t>hi</a:t>
-                </a:r>
-              </a:p>
-            </p:txBody>
-          </p:sp>
-          <p:sp>
-            <p:nvSpPr>
-              <p:cNvPr id="73" name="Rectangle 72">
-                <a:extLst>
-                  <a:ext uri="{FF2B5EF4-FFF2-40B4-BE49-F238E27FC236}">
-                    <a16:creationId xmlns:a16="http://schemas.microsoft.com/office/drawing/2014/main" id="{7E507E14-0CB1-01AB-7BF7-7F89F07FD199}"/>
-                  </a:ext>
-                </a:extLst>
-              </p:cNvPr>
-              <p:cNvSpPr/>
-              <p:nvPr/>
-            </p:nvSpPr>
-            <p:spPr>
-              <a:xfrm>
-                <a:off x="2952197" y="235742"/>
-                <a:ext cx="280985" cy="103347"/>
-              </a:xfrm>
-              <a:prstGeom prst="rect">
-                <a:avLst/>
-              </a:prstGeom>
-              <a:noFill/>
-              <a:ln>
-                <a:noFill/>
-              </a:ln>
-            </p:spPr>
-            <p:style>
-              <a:lnRef idx="2">
-                <a:schemeClr val="accent1">
-                  <a:shade val="15000"/>
-                </a:schemeClr>
-              </a:lnRef>
-              <a:fillRef idx="1">
-                <a:schemeClr val="accent1"/>
-              </a:fillRef>
-              <a:effectRef idx="0">
-                <a:schemeClr val="accent1"/>
-              </a:effectRef>
-              <a:fontRef idx="minor">
-                <a:schemeClr val="lt1"/>
-              </a:fontRef>
-            </p:style>
-            <p:txBody>
-              <a:bodyPr rtlCol="0" anchor="ctr"/>
-              <a:lstStyle/>
-              <a:p>
-                <a:pPr algn="ctr"/>
-                <a:r>
-                  <a:rPr lang="en-US" sz="800" dirty="0">
-                    <a:solidFill>
-                      <a:schemeClr val="tx1"/>
-                    </a:solidFill>
-                    <a:latin typeface="Arial" panose="020B0604020202020204" pitchFamily="34" charset="0"/>
-                    <a:cs typeface="Arial" panose="020B0604020202020204" pitchFamily="34" charset="0"/>
-                  </a:rPr>
-                  <a:t>lo</a:t>
-                </a:r>
-              </a:p>
-            </p:txBody>
-          </p:sp>
-          <p:sp>
-            <p:nvSpPr>
-              <p:cNvPr id="74" name="Rectangle 73">
-                <a:extLst>
-                  <a:ext uri="{FF2B5EF4-FFF2-40B4-BE49-F238E27FC236}">
-                    <a16:creationId xmlns:a16="http://schemas.microsoft.com/office/drawing/2014/main" id="{AA9C3F95-E922-5EF3-4C62-8B4F42794C14}"/>
-                  </a:ext>
-                </a:extLst>
-              </p:cNvPr>
-              <p:cNvSpPr/>
-              <p:nvPr/>
-            </p:nvSpPr>
-            <p:spPr>
-              <a:xfrm>
-                <a:off x="3022984" y="50006"/>
-                <a:ext cx="1154808" cy="214550"/>
-              </a:xfrm>
-              <a:prstGeom prst="rect">
-                <a:avLst/>
-              </a:prstGeom>
-              <a:noFill/>
-              <a:ln>
-                <a:noFill/>
-              </a:ln>
-            </p:spPr>
-            <p:style>
-              <a:lnRef idx="2">
-                <a:schemeClr val="accent1">
-                  <a:shade val="15000"/>
-                </a:schemeClr>
-              </a:lnRef>
-              <a:fillRef idx="1">
-                <a:schemeClr val="accent1"/>
-              </a:fillRef>
-              <a:effectRef idx="0">
-                <a:schemeClr val="accent1"/>
-              </a:effectRef>
-              <a:fontRef idx="minor">
-                <a:schemeClr val="lt1"/>
-              </a:fontRef>
-            </p:style>
-            <p:txBody>
-              <a:bodyPr rtlCol="0" anchor="ctr"/>
-              <a:lstStyle/>
-              <a:p>
-                <a:pPr algn="ctr"/>
-                <a:r>
-                  <a:rPr lang="en-US" sz="800" dirty="0">
-                    <a:solidFill>
-                      <a:schemeClr val="tx1"/>
-                    </a:solidFill>
-                    <a:latin typeface="Arial" panose="020B0604020202020204" pitchFamily="34" charset="0"/>
-                    <a:cs typeface="Arial" panose="020B0604020202020204" pitchFamily="34" charset="0"/>
-                  </a:rPr>
-                  <a:t>abundance of other non-excavator</a:t>
-                </a:r>
-              </a:p>
-            </p:txBody>
-          </p:sp>
-        </p:grpSp>
-        <p:sp>
-          <p:nvSpPr>
-            <p:cNvPr id="58" name="Rectangle 57">
-              <a:extLst>
-                <a:ext uri="{FF2B5EF4-FFF2-40B4-BE49-F238E27FC236}">
-                  <a16:creationId xmlns:a16="http://schemas.microsoft.com/office/drawing/2014/main" id="{5BB676C1-6191-B05A-DDE4-016FA427F076}"/>
-                </a:ext>
-              </a:extLst>
-            </p:cNvPr>
-            <p:cNvSpPr/>
-            <p:nvPr/>
-          </p:nvSpPr>
-          <p:spPr>
-            <a:xfrm>
-              <a:off x="0" y="1265687"/>
-              <a:ext cx="1570987" cy="327025"/>
-            </a:xfrm>
-            <a:prstGeom prst="rect">
-              <a:avLst/>
-            </a:prstGeom>
+                <a:latin typeface="Arial" panose="020B0604020202020204" pitchFamily="34" charset="0"/>
+                <a:cs typeface="Arial" panose="020B0604020202020204" pitchFamily="34" charset="0"/>
+              </a:rPr>
+              <a:t>hi</a:t>
+            </a:r>
+          </a:p>
+        </p:txBody>
+      </p:sp>
+      <p:sp>
+        <p:nvSpPr>
+          <p:cNvPr id="67" name="Rectangle 66">
+            <a:extLst>
+              <a:ext uri="{FF2B5EF4-FFF2-40B4-BE49-F238E27FC236}">
+                <a16:creationId xmlns:a16="http://schemas.microsoft.com/office/drawing/2014/main" id="{CDCFEFBC-CAAB-8304-A3E4-9CDB7CEEEC4D}"/>
+              </a:ext>
+            </a:extLst>
+          </p:cNvPr>
+          <p:cNvSpPr/>
+          <p:nvPr/>
+        </p:nvSpPr>
+        <p:spPr>
+          <a:xfrm>
+            <a:off x="22863" y="231456"/>
+            <a:ext cx="280985" cy="103347"/>
+          </a:xfrm>
+          <a:prstGeom prst="rect">
+            <a:avLst/>
+          </a:prstGeom>
+          <a:noFill/>
+          <a:ln>
             <a:noFill/>
-            <a:ln>
-              <a:noFill/>
-            </a:ln>
-          </p:spPr>
-          <p:style>
-            <a:lnRef idx="2">
-              <a:schemeClr val="accent1">
-                <a:shade val="15000"/>
-              </a:schemeClr>
-            </a:lnRef>
-            <a:fillRef idx="1">
-              <a:schemeClr val="accent1"/>
-            </a:fillRef>
-            <a:effectRef idx="0">
-              <a:schemeClr val="accent1"/>
-            </a:effectRef>
-            <a:fontRef idx="minor">
-              <a:schemeClr val="lt1"/>
-            </a:fontRef>
-          </p:style>
-          <p:txBody>
-            <a:bodyPr rtlCol="0" anchor="ctr"/>
-            <a:lstStyle/>
-            <a:p>
-              <a:pPr algn="ctr"/>
-              <a:r>
-                <a:rPr lang="en-US" sz="800" b="1" dirty="0">
-                  <a:solidFill>
-                    <a:schemeClr val="tx1"/>
-                  </a:solidFill>
-                  <a:latin typeface="Arial" panose="020B0604020202020204" pitchFamily="34" charset="0"/>
-                  <a:cs typeface="Arial" panose="020B0604020202020204" pitchFamily="34" charset="0"/>
-                </a:rPr>
-                <a:t>response</a:t>
-              </a:r>
-              <a:r>
-                <a:rPr lang="en-US" sz="800" dirty="0">
-                  <a:solidFill>
-                    <a:schemeClr val="tx1"/>
-                  </a:solidFill>
-                  <a:latin typeface="Arial" panose="020B0604020202020204" pitchFamily="34" charset="0"/>
-                  <a:cs typeface="Arial" panose="020B0604020202020204" pitchFamily="34" charset="0"/>
-                </a:rPr>
-                <a:t>: relative abundance of non-excavator within non-coastal range edges</a:t>
-              </a:r>
-            </a:p>
-          </p:txBody>
-        </p:sp>
-        <p:sp>
-          <p:nvSpPr>
-            <p:cNvPr id="59" name="Rectangle 58">
-              <a:extLst>
-                <a:ext uri="{FF2B5EF4-FFF2-40B4-BE49-F238E27FC236}">
-                  <a16:creationId xmlns:a16="http://schemas.microsoft.com/office/drawing/2014/main" id="{D774D944-0A6A-50BD-4EB5-B9049CFAC287}"/>
-                </a:ext>
-              </a:extLst>
-            </p:cNvPr>
-            <p:cNvSpPr/>
-            <p:nvPr/>
-          </p:nvSpPr>
-          <p:spPr>
-            <a:xfrm>
-              <a:off x="1593850" y="1265687"/>
-              <a:ext cx="2583942" cy="327025"/>
-            </a:xfrm>
-            <a:prstGeom prst="rect">
-              <a:avLst/>
-            </a:prstGeom>
+          </a:ln>
+        </p:spPr>
+        <p:style>
+          <a:lnRef idx="2">
+            <a:schemeClr val="accent1">
+              <a:shade val="15000"/>
+            </a:schemeClr>
+          </a:lnRef>
+          <a:fillRef idx="1">
+            <a:schemeClr val="accent1"/>
+          </a:fillRef>
+          <a:effectRef idx="0">
+            <a:schemeClr val="accent1"/>
+          </a:effectRef>
+          <a:fontRef idx="minor">
+            <a:schemeClr val="lt1"/>
+          </a:fontRef>
+        </p:style>
+        <p:txBody>
+          <a:bodyPr rtlCol="0" anchor="ctr"/>
+          <a:lstStyle/>
+          <a:p>
+            <a:pPr algn="ctr"/>
+            <a:r>
+              <a:rPr lang="en-US" sz="800" dirty="0">
+                <a:solidFill>
+                  <a:schemeClr val="tx1"/>
+                </a:solidFill>
+                <a:latin typeface="Arial" panose="020B0604020202020204" pitchFamily="34" charset="0"/>
+                <a:cs typeface="Arial" panose="020B0604020202020204" pitchFamily="34" charset="0"/>
+              </a:rPr>
+              <a:t>lo</a:t>
+            </a:r>
+          </a:p>
+        </p:txBody>
+      </p:sp>
+      <p:sp>
+        <p:nvSpPr>
+          <p:cNvPr id="68" name="Rectangle 67">
+            <a:extLst>
+              <a:ext uri="{FF2B5EF4-FFF2-40B4-BE49-F238E27FC236}">
+                <a16:creationId xmlns:a16="http://schemas.microsoft.com/office/drawing/2014/main" id="{D6F2FBDF-DB1B-D2A9-4BAE-70BBEFB29700}"/>
+              </a:ext>
+            </a:extLst>
+          </p:cNvPr>
+          <p:cNvSpPr/>
+          <p:nvPr/>
+        </p:nvSpPr>
+        <p:spPr>
+          <a:xfrm>
+            <a:off x="153592" y="45720"/>
+            <a:ext cx="1064418" cy="214550"/>
+          </a:xfrm>
+          <a:prstGeom prst="rect">
+            <a:avLst/>
+          </a:prstGeom>
+          <a:noFill/>
+          <a:ln>
             <a:noFill/>
-            <a:ln>
-              <a:noFill/>
-            </a:ln>
-          </p:spPr>
-          <p:style>
-            <a:lnRef idx="2">
-              <a:schemeClr val="accent1">
-                <a:shade val="15000"/>
-              </a:schemeClr>
-            </a:lnRef>
-            <a:fillRef idx="1">
-              <a:schemeClr val="accent1"/>
-            </a:fillRef>
-            <a:effectRef idx="0">
-              <a:schemeClr val="accent1"/>
-            </a:effectRef>
-            <a:fontRef idx="minor">
-              <a:schemeClr val="lt1"/>
-            </a:fontRef>
-          </p:style>
-          <p:txBody>
-            <a:bodyPr rtlCol="0" anchor="ctr"/>
-            <a:lstStyle/>
-            <a:p>
-              <a:pPr algn="ctr"/>
-              <a:r>
-                <a:rPr lang="en-US" sz="800" b="1" dirty="0">
-                  <a:solidFill>
-                    <a:schemeClr val="tx1"/>
-                  </a:solidFill>
-                  <a:latin typeface="Arial" panose="020B0604020202020204" pitchFamily="34" charset="0"/>
-                  <a:cs typeface="Arial" panose="020B0604020202020204" pitchFamily="34" charset="0"/>
-                </a:rPr>
-                <a:t>predictor</a:t>
-              </a:r>
-              <a:r>
-                <a:rPr lang="en-US" sz="800" dirty="0">
-                  <a:solidFill>
-                    <a:schemeClr val="tx1"/>
-                  </a:solidFill>
-                  <a:latin typeface="Arial" panose="020B0604020202020204" pitchFamily="34" charset="0"/>
-                  <a:cs typeface="Arial" panose="020B0604020202020204" pitchFamily="34" charset="0"/>
-                </a:rPr>
-                <a:t>: summed abundances of </a:t>
-              </a:r>
-              <a:r>
-                <a:rPr lang="en-US" sz="800" dirty="0" err="1">
-                  <a:solidFill>
-                    <a:schemeClr val="tx1"/>
-                  </a:solidFill>
-                  <a:latin typeface="Arial" panose="020B0604020202020204" pitchFamily="34" charset="0"/>
-                  <a:cs typeface="Arial" panose="020B0604020202020204" pitchFamily="34" charset="0"/>
-                </a:rPr>
-                <a:t>heterospecifics</a:t>
-              </a:r>
-              <a:r>
-                <a:rPr lang="en-US" sz="800" dirty="0">
-                  <a:solidFill>
-                    <a:schemeClr val="tx1"/>
-                  </a:solidFill>
-                  <a:latin typeface="Arial" panose="020B0604020202020204" pitchFamily="34" charset="0"/>
-                  <a:cs typeface="Arial" panose="020B0604020202020204" pitchFamily="34" charset="0"/>
-                </a:rPr>
-                <a:t> (non-excavators and excavators); all and those within 50% of body mass</a:t>
-              </a:r>
-            </a:p>
-          </p:txBody>
-        </p:sp>
-      </p:grpSp>
+          </a:ln>
+        </p:spPr>
+        <p:style>
+          <a:lnRef idx="2">
+            <a:schemeClr val="accent1">
+              <a:shade val="15000"/>
+            </a:schemeClr>
+          </a:lnRef>
+          <a:fillRef idx="1">
+            <a:schemeClr val="accent1"/>
+          </a:fillRef>
+          <a:effectRef idx="0">
+            <a:schemeClr val="accent1"/>
+          </a:effectRef>
+          <a:fontRef idx="minor">
+            <a:schemeClr val="lt1"/>
+          </a:fontRef>
+        </p:style>
+        <p:txBody>
+          <a:bodyPr rtlCol="0" anchor="ctr"/>
+          <a:lstStyle/>
+          <a:p>
+            <a:pPr algn="ctr"/>
+            <a:r>
+              <a:rPr lang="en-US" sz="800" dirty="0">
+                <a:solidFill>
+                  <a:schemeClr val="tx1"/>
+                </a:solidFill>
+                <a:latin typeface="Arial" panose="020B0604020202020204" pitchFamily="34" charset="0"/>
+                <a:cs typeface="Arial" panose="020B0604020202020204" pitchFamily="34" charset="0"/>
+              </a:rPr>
+              <a:t>abundance of focal non-excavator</a:t>
+            </a:r>
+          </a:p>
+        </p:txBody>
+      </p:sp>
+      <p:sp>
+        <p:nvSpPr>
+          <p:cNvPr id="69" name="Rectangle 68">
+            <a:extLst>
+              <a:ext uri="{FF2B5EF4-FFF2-40B4-BE49-F238E27FC236}">
+                <a16:creationId xmlns:a16="http://schemas.microsoft.com/office/drawing/2014/main" id="{0B38313F-7368-8ABC-B9A1-5373158F3813}"/>
+              </a:ext>
+            </a:extLst>
+          </p:cNvPr>
+          <p:cNvSpPr/>
+          <p:nvPr/>
+        </p:nvSpPr>
+        <p:spPr>
+          <a:xfrm>
+            <a:off x="2530162" y="231457"/>
+            <a:ext cx="280985" cy="103347"/>
+          </a:xfrm>
+          <a:prstGeom prst="rect">
+            <a:avLst/>
+          </a:prstGeom>
+          <a:noFill/>
+          <a:ln>
+            <a:noFill/>
+          </a:ln>
+        </p:spPr>
+        <p:style>
+          <a:lnRef idx="2">
+            <a:schemeClr val="accent1">
+              <a:shade val="15000"/>
+            </a:schemeClr>
+          </a:lnRef>
+          <a:fillRef idx="1">
+            <a:schemeClr val="accent1"/>
+          </a:fillRef>
+          <a:effectRef idx="0">
+            <a:schemeClr val="accent1"/>
+          </a:effectRef>
+          <a:fontRef idx="minor">
+            <a:schemeClr val="lt1"/>
+          </a:fontRef>
+        </p:style>
+        <p:txBody>
+          <a:bodyPr rtlCol="0" anchor="ctr"/>
+          <a:lstStyle/>
+          <a:p>
+            <a:pPr algn="ctr"/>
+            <a:r>
+              <a:rPr lang="en-US" sz="800" dirty="0">
+                <a:solidFill>
+                  <a:schemeClr val="tx1"/>
+                </a:solidFill>
+                <a:latin typeface="Arial" panose="020B0604020202020204" pitchFamily="34" charset="0"/>
+                <a:cs typeface="Arial" panose="020B0604020202020204" pitchFamily="34" charset="0"/>
+              </a:rPr>
+              <a:t>hi</a:t>
+            </a:r>
+          </a:p>
+        </p:txBody>
+      </p:sp>
+      <p:sp>
+        <p:nvSpPr>
+          <p:cNvPr id="70" name="Rectangle 69">
+            <a:extLst>
+              <a:ext uri="{FF2B5EF4-FFF2-40B4-BE49-F238E27FC236}">
+                <a16:creationId xmlns:a16="http://schemas.microsoft.com/office/drawing/2014/main" id="{39F4DCA6-41E4-ACE3-81ED-138A452E7918}"/>
+              </a:ext>
+            </a:extLst>
+          </p:cNvPr>
+          <p:cNvSpPr/>
+          <p:nvPr/>
+        </p:nvSpPr>
+        <p:spPr>
+          <a:xfrm>
+            <a:off x="1485271" y="231456"/>
+            <a:ext cx="280985" cy="103347"/>
+          </a:xfrm>
+          <a:prstGeom prst="rect">
+            <a:avLst/>
+          </a:prstGeom>
+          <a:noFill/>
+          <a:ln>
+            <a:noFill/>
+          </a:ln>
+        </p:spPr>
+        <p:style>
+          <a:lnRef idx="2">
+            <a:schemeClr val="accent1">
+              <a:shade val="15000"/>
+            </a:schemeClr>
+          </a:lnRef>
+          <a:fillRef idx="1">
+            <a:schemeClr val="accent1"/>
+          </a:fillRef>
+          <a:effectRef idx="0">
+            <a:schemeClr val="accent1"/>
+          </a:effectRef>
+          <a:fontRef idx="minor">
+            <a:schemeClr val="lt1"/>
+          </a:fontRef>
+        </p:style>
+        <p:txBody>
+          <a:bodyPr rtlCol="0" anchor="ctr"/>
+          <a:lstStyle/>
+          <a:p>
+            <a:pPr algn="ctr"/>
+            <a:r>
+              <a:rPr lang="en-US" sz="800" dirty="0">
+                <a:solidFill>
+                  <a:schemeClr val="tx1"/>
+                </a:solidFill>
+                <a:latin typeface="Arial" panose="020B0604020202020204" pitchFamily="34" charset="0"/>
+                <a:cs typeface="Arial" panose="020B0604020202020204" pitchFamily="34" charset="0"/>
+              </a:rPr>
+              <a:t>lo</a:t>
+            </a:r>
+          </a:p>
+        </p:txBody>
+      </p:sp>
+      <p:sp>
+        <p:nvSpPr>
+          <p:cNvPr id="71" name="Rectangle 70">
+            <a:extLst>
+              <a:ext uri="{FF2B5EF4-FFF2-40B4-BE49-F238E27FC236}">
+                <a16:creationId xmlns:a16="http://schemas.microsoft.com/office/drawing/2014/main" id="{0A68A84F-9CA2-85FD-FD79-0EE92337AC3D}"/>
+              </a:ext>
+            </a:extLst>
+          </p:cNvPr>
+          <p:cNvSpPr/>
+          <p:nvPr/>
+        </p:nvSpPr>
+        <p:spPr>
+          <a:xfrm>
+            <a:off x="1560576" y="45720"/>
+            <a:ext cx="1119842" cy="214550"/>
+          </a:xfrm>
+          <a:prstGeom prst="rect">
+            <a:avLst/>
+          </a:prstGeom>
+          <a:noFill/>
+          <a:ln>
+            <a:noFill/>
+          </a:ln>
+        </p:spPr>
+        <p:style>
+          <a:lnRef idx="2">
+            <a:schemeClr val="accent1">
+              <a:shade val="15000"/>
+            </a:schemeClr>
+          </a:lnRef>
+          <a:fillRef idx="1">
+            <a:schemeClr val="accent1"/>
+          </a:fillRef>
+          <a:effectRef idx="0">
+            <a:schemeClr val="accent1"/>
+          </a:effectRef>
+          <a:fontRef idx="minor">
+            <a:schemeClr val="lt1"/>
+          </a:fontRef>
+        </p:style>
+        <p:txBody>
+          <a:bodyPr rtlCol="0" anchor="ctr"/>
+          <a:lstStyle/>
+          <a:p>
+            <a:pPr algn="ctr"/>
+            <a:r>
+              <a:rPr lang="en-US" sz="800" dirty="0">
+                <a:solidFill>
+                  <a:schemeClr val="tx1"/>
+                </a:solidFill>
+                <a:latin typeface="Arial" panose="020B0604020202020204" pitchFamily="34" charset="0"/>
+                <a:cs typeface="Arial" panose="020B0604020202020204" pitchFamily="34" charset="0"/>
+              </a:rPr>
+              <a:t>abundance of other non-excavator</a:t>
+            </a:r>
+          </a:p>
+        </p:txBody>
+      </p:sp>
+      <p:sp>
+        <p:nvSpPr>
+          <p:cNvPr id="72" name="Rectangle 71">
+            <a:extLst>
+              <a:ext uri="{FF2B5EF4-FFF2-40B4-BE49-F238E27FC236}">
+                <a16:creationId xmlns:a16="http://schemas.microsoft.com/office/drawing/2014/main" id="{A2C333B0-67C5-564B-2A6A-15E4F4458176}"/>
+              </a:ext>
+            </a:extLst>
+          </p:cNvPr>
+          <p:cNvSpPr/>
+          <p:nvPr/>
+        </p:nvSpPr>
+        <p:spPr>
+          <a:xfrm>
+            <a:off x="3997088" y="231457"/>
+            <a:ext cx="280985" cy="103347"/>
+          </a:xfrm>
+          <a:prstGeom prst="rect">
+            <a:avLst/>
+          </a:prstGeom>
+          <a:noFill/>
+          <a:ln>
+            <a:noFill/>
+          </a:ln>
+        </p:spPr>
+        <p:style>
+          <a:lnRef idx="2">
+            <a:schemeClr val="accent1">
+              <a:shade val="15000"/>
+            </a:schemeClr>
+          </a:lnRef>
+          <a:fillRef idx="1">
+            <a:schemeClr val="accent1"/>
+          </a:fillRef>
+          <a:effectRef idx="0">
+            <a:schemeClr val="accent1"/>
+          </a:effectRef>
+          <a:fontRef idx="minor">
+            <a:schemeClr val="lt1"/>
+          </a:fontRef>
+        </p:style>
+        <p:txBody>
+          <a:bodyPr rtlCol="0" anchor="ctr"/>
+          <a:lstStyle/>
+          <a:p>
+            <a:pPr algn="ctr"/>
+            <a:r>
+              <a:rPr lang="en-US" sz="800" dirty="0">
+                <a:solidFill>
+                  <a:schemeClr val="tx1"/>
+                </a:solidFill>
+                <a:latin typeface="Arial" panose="020B0604020202020204" pitchFamily="34" charset="0"/>
+                <a:cs typeface="Arial" panose="020B0604020202020204" pitchFamily="34" charset="0"/>
+              </a:rPr>
+              <a:t>hi</a:t>
+            </a:r>
+          </a:p>
+        </p:txBody>
+      </p:sp>
+      <p:sp>
+        <p:nvSpPr>
+          <p:cNvPr id="73" name="Rectangle 72">
+            <a:extLst>
+              <a:ext uri="{FF2B5EF4-FFF2-40B4-BE49-F238E27FC236}">
+                <a16:creationId xmlns:a16="http://schemas.microsoft.com/office/drawing/2014/main" id="{7E507E14-0CB1-01AB-7BF7-7F89F07FD199}"/>
+              </a:ext>
+            </a:extLst>
+          </p:cNvPr>
+          <p:cNvSpPr/>
+          <p:nvPr/>
+        </p:nvSpPr>
+        <p:spPr>
+          <a:xfrm>
+            <a:off x="2952197" y="231456"/>
+            <a:ext cx="280985" cy="103347"/>
+          </a:xfrm>
+          <a:prstGeom prst="rect">
+            <a:avLst/>
+          </a:prstGeom>
+          <a:noFill/>
+          <a:ln>
+            <a:noFill/>
+          </a:ln>
+        </p:spPr>
+        <p:style>
+          <a:lnRef idx="2">
+            <a:schemeClr val="accent1">
+              <a:shade val="15000"/>
+            </a:schemeClr>
+          </a:lnRef>
+          <a:fillRef idx="1">
+            <a:schemeClr val="accent1"/>
+          </a:fillRef>
+          <a:effectRef idx="0">
+            <a:schemeClr val="accent1"/>
+          </a:effectRef>
+          <a:fontRef idx="minor">
+            <a:schemeClr val="lt1"/>
+          </a:fontRef>
+        </p:style>
+        <p:txBody>
+          <a:bodyPr rtlCol="0" anchor="ctr"/>
+          <a:lstStyle/>
+          <a:p>
+            <a:pPr algn="ctr"/>
+            <a:r>
+              <a:rPr lang="en-US" sz="800" dirty="0">
+                <a:solidFill>
+                  <a:schemeClr val="tx1"/>
+                </a:solidFill>
+                <a:latin typeface="Arial" panose="020B0604020202020204" pitchFamily="34" charset="0"/>
+                <a:cs typeface="Arial" panose="020B0604020202020204" pitchFamily="34" charset="0"/>
+              </a:rPr>
+              <a:t>lo</a:t>
+            </a:r>
+          </a:p>
+        </p:txBody>
+      </p:sp>
+      <p:sp>
+        <p:nvSpPr>
+          <p:cNvPr id="74" name="Rectangle 73">
+            <a:extLst>
+              <a:ext uri="{FF2B5EF4-FFF2-40B4-BE49-F238E27FC236}">
+                <a16:creationId xmlns:a16="http://schemas.microsoft.com/office/drawing/2014/main" id="{AA9C3F95-E922-5EF3-4C62-8B4F42794C14}"/>
+              </a:ext>
+            </a:extLst>
+          </p:cNvPr>
+          <p:cNvSpPr/>
+          <p:nvPr/>
+        </p:nvSpPr>
+        <p:spPr>
+          <a:xfrm>
+            <a:off x="3022984" y="45720"/>
+            <a:ext cx="1154808" cy="214550"/>
+          </a:xfrm>
+          <a:prstGeom prst="rect">
+            <a:avLst/>
+          </a:prstGeom>
+          <a:noFill/>
+          <a:ln>
+            <a:noFill/>
+          </a:ln>
+        </p:spPr>
+        <p:style>
+          <a:lnRef idx="2">
+            <a:schemeClr val="accent1">
+              <a:shade val="15000"/>
+            </a:schemeClr>
+          </a:lnRef>
+          <a:fillRef idx="1">
+            <a:schemeClr val="accent1"/>
+          </a:fillRef>
+          <a:effectRef idx="0">
+            <a:schemeClr val="accent1"/>
+          </a:effectRef>
+          <a:fontRef idx="minor">
+            <a:schemeClr val="lt1"/>
+          </a:fontRef>
+        </p:style>
+        <p:txBody>
+          <a:bodyPr rtlCol="0" anchor="ctr"/>
+          <a:lstStyle/>
+          <a:p>
+            <a:pPr algn="ctr"/>
+            <a:r>
+              <a:rPr lang="en-US" sz="800" dirty="0">
+                <a:solidFill>
+                  <a:schemeClr val="tx1"/>
+                </a:solidFill>
+                <a:latin typeface="Arial" panose="020B0604020202020204" pitchFamily="34" charset="0"/>
+                <a:cs typeface="Arial" panose="020B0604020202020204" pitchFamily="34" charset="0"/>
+              </a:rPr>
+              <a:t>abundance of other non-excavator</a:t>
+            </a:r>
+          </a:p>
+        </p:txBody>
+      </p:sp>
+      <p:sp>
+        <p:nvSpPr>
+          <p:cNvPr id="58" name="Rectangle 57">
+            <a:extLst>
+              <a:ext uri="{FF2B5EF4-FFF2-40B4-BE49-F238E27FC236}">
+                <a16:creationId xmlns:a16="http://schemas.microsoft.com/office/drawing/2014/main" id="{5BB676C1-6191-B05A-DDE4-016FA427F076}"/>
+              </a:ext>
+            </a:extLst>
+          </p:cNvPr>
+          <p:cNvSpPr/>
+          <p:nvPr/>
+        </p:nvSpPr>
+        <p:spPr>
+          <a:xfrm>
+            <a:off x="0" y="1261401"/>
+            <a:ext cx="1570987" cy="327025"/>
+          </a:xfrm>
+          <a:prstGeom prst="rect">
+            <a:avLst/>
+          </a:prstGeom>
+          <a:noFill/>
+          <a:ln>
+            <a:noFill/>
+          </a:ln>
+        </p:spPr>
+        <p:style>
+          <a:lnRef idx="2">
+            <a:schemeClr val="accent1">
+              <a:shade val="15000"/>
+            </a:schemeClr>
+          </a:lnRef>
+          <a:fillRef idx="1">
+            <a:schemeClr val="accent1"/>
+          </a:fillRef>
+          <a:effectRef idx="0">
+            <a:schemeClr val="accent1"/>
+          </a:effectRef>
+          <a:fontRef idx="minor">
+            <a:schemeClr val="lt1"/>
+          </a:fontRef>
+        </p:style>
+        <p:txBody>
+          <a:bodyPr rtlCol="0" anchor="ctr"/>
+          <a:lstStyle/>
+          <a:p>
+            <a:pPr algn="ctr"/>
+            <a:r>
+              <a:rPr lang="en-US" sz="800" b="1" dirty="0">
+                <a:solidFill>
+                  <a:schemeClr val="tx1"/>
+                </a:solidFill>
+                <a:latin typeface="Arial" panose="020B0604020202020204" pitchFamily="34" charset="0"/>
+                <a:cs typeface="Arial" panose="020B0604020202020204" pitchFamily="34" charset="0"/>
+              </a:rPr>
+              <a:t>response</a:t>
+            </a:r>
+            <a:r>
+              <a:rPr lang="en-US" sz="800" dirty="0">
+                <a:solidFill>
+                  <a:schemeClr val="tx1"/>
+                </a:solidFill>
+                <a:latin typeface="Arial" panose="020B0604020202020204" pitchFamily="34" charset="0"/>
+                <a:cs typeface="Arial" panose="020B0604020202020204" pitchFamily="34" charset="0"/>
+              </a:rPr>
+              <a:t>: relative abundance of non-excavator within non-coastal range edges</a:t>
+            </a:r>
+          </a:p>
+        </p:txBody>
+      </p:sp>
+      <p:sp>
+        <p:nvSpPr>
+          <p:cNvPr id="59" name="Rectangle 58">
+            <a:extLst>
+              <a:ext uri="{FF2B5EF4-FFF2-40B4-BE49-F238E27FC236}">
+                <a16:creationId xmlns:a16="http://schemas.microsoft.com/office/drawing/2014/main" id="{D774D944-0A6A-50BD-4EB5-B9049CFAC287}"/>
+              </a:ext>
+            </a:extLst>
+          </p:cNvPr>
+          <p:cNvSpPr/>
+          <p:nvPr/>
+        </p:nvSpPr>
+        <p:spPr>
+          <a:xfrm>
+            <a:off x="1593850" y="1261401"/>
+            <a:ext cx="2583942" cy="327025"/>
+          </a:xfrm>
+          <a:prstGeom prst="rect">
+            <a:avLst/>
+          </a:prstGeom>
+          <a:noFill/>
+          <a:ln>
+            <a:noFill/>
+          </a:ln>
+        </p:spPr>
+        <p:style>
+          <a:lnRef idx="2">
+            <a:schemeClr val="accent1">
+              <a:shade val="15000"/>
+            </a:schemeClr>
+          </a:lnRef>
+          <a:fillRef idx="1">
+            <a:schemeClr val="accent1"/>
+          </a:fillRef>
+          <a:effectRef idx="0">
+            <a:schemeClr val="accent1"/>
+          </a:effectRef>
+          <a:fontRef idx="minor">
+            <a:schemeClr val="lt1"/>
+          </a:fontRef>
+        </p:style>
+        <p:txBody>
+          <a:bodyPr rtlCol="0" anchor="ctr"/>
+          <a:lstStyle/>
+          <a:p>
+            <a:pPr algn="ctr"/>
+            <a:r>
+              <a:rPr lang="en-US" sz="800" b="1" dirty="0">
+                <a:solidFill>
+                  <a:schemeClr val="tx1"/>
+                </a:solidFill>
+                <a:latin typeface="Arial" panose="020B0604020202020204" pitchFamily="34" charset="0"/>
+                <a:cs typeface="Arial" panose="020B0604020202020204" pitchFamily="34" charset="0"/>
+              </a:rPr>
+              <a:t>predictor</a:t>
+            </a:r>
+            <a:r>
+              <a:rPr lang="en-US" sz="800" dirty="0">
+                <a:solidFill>
+                  <a:schemeClr val="tx1"/>
+                </a:solidFill>
+                <a:latin typeface="Arial" panose="020B0604020202020204" pitchFamily="34" charset="0"/>
+                <a:cs typeface="Arial" panose="020B0604020202020204" pitchFamily="34" charset="0"/>
+              </a:rPr>
+              <a:t>: summed abundances of </a:t>
+            </a:r>
+            <a:r>
+              <a:rPr lang="en-US" sz="800" dirty="0" err="1">
+                <a:solidFill>
+                  <a:schemeClr val="tx1"/>
+                </a:solidFill>
+                <a:latin typeface="Arial" panose="020B0604020202020204" pitchFamily="34" charset="0"/>
+                <a:cs typeface="Arial" panose="020B0604020202020204" pitchFamily="34" charset="0"/>
+              </a:rPr>
+              <a:t>heterospecifics</a:t>
+            </a:r>
+            <a:r>
+              <a:rPr lang="en-US" sz="800" dirty="0">
+                <a:solidFill>
+                  <a:schemeClr val="tx1"/>
+                </a:solidFill>
+                <a:latin typeface="Arial" panose="020B0604020202020204" pitchFamily="34" charset="0"/>
+                <a:cs typeface="Arial" panose="020B0604020202020204" pitchFamily="34" charset="0"/>
+              </a:rPr>
+              <a:t> (non-excavators and excavators); all and those within 50% of body mass</a:t>
+            </a:r>
+          </a:p>
+        </p:txBody>
+      </p:sp>
       <p:pic>
         <p:nvPicPr>
           <p:cNvPr id="3" name="Picture 2" descr="A blue bird with black and grey feathers&#10;&#10;AI-generated content may be incorrect.">
